--- a/portfolio.pptx
+++ b/portfolio.pptx
@@ -203,7 +203,7 @@
           <a:p>
             <a:fld id="{013D7D23-95FE-4191-B08D-3CBB1E1CEEFE}" type="datetimeFigureOut">
               <a:rPr lang="pt-PT" smtClean="0"/>
-              <a:t>26/05/2024</a:t>
+              <a:t>26/09/2024</a:t>
             </a:fld>
             <a:endParaRPr lang="pt-PT" dirty="0"/>
           </a:p>
@@ -602,7 +602,7 @@
           <a:p>
             <a:fld id="{5C0ED97C-8255-4BAC-9D42-1F6A6651E287}" type="datetime1">
               <a:rPr lang="pt-PT" smtClean="0"/>
-              <a:t>26/05/2024</a:t>
+              <a:t>26/09/2024</a:t>
             </a:fld>
             <a:endParaRPr lang="pt-PT" dirty="0"/>
           </a:p>
@@ -772,7 +772,7 @@
           <a:p>
             <a:fld id="{4FCC8996-E467-4FE1-B165-4002860D0AC7}" type="datetime1">
               <a:rPr lang="pt-PT" smtClean="0"/>
-              <a:t>26/05/2024</a:t>
+              <a:t>26/09/2024</a:t>
             </a:fld>
             <a:endParaRPr lang="pt-PT" dirty="0"/>
           </a:p>
@@ -952,7 +952,7 @@
           <a:p>
             <a:fld id="{C104532E-E792-4BF5-B399-9E5E16070233}" type="datetime1">
               <a:rPr lang="pt-PT" smtClean="0"/>
-              <a:t>26/05/2024</a:t>
+              <a:t>26/09/2024</a:t>
             </a:fld>
             <a:endParaRPr lang="pt-PT" dirty="0"/>
           </a:p>
@@ -1162,7 +1162,7 @@
           <a:p>
             <a:fld id="{FF4AF87E-A15D-4480-B791-15D75F8AF848}" type="datetimeFigureOut">
               <a:rPr lang="pt-PT" smtClean="0"/>
-              <a:t>26/05/2024</a:t>
+              <a:t>26/09/2024</a:t>
             </a:fld>
             <a:endParaRPr lang="pt-PT"/>
           </a:p>
@@ -1362,7 +1362,7 @@
           <a:p>
             <a:fld id="{FF4AF87E-A15D-4480-B791-15D75F8AF848}" type="datetimeFigureOut">
               <a:rPr lang="pt-PT" smtClean="0"/>
-              <a:t>26/05/2024</a:t>
+              <a:t>26/09/2024</a:t>
             </a:fld>
             <a:endParaRPr lang="pt-PT"/>
           </a:p>
@@ -1638,7 +1638,7 @@
           <a:p>
             <a:fld id="{FF4AF87E-A15D-4480-B791-15D75F8AF848}" type="datetimeFigureOut">
               <a:rPr lang="pt-PT" smtClean="0"/>
-              <a:t>26/05/2024</a:t>
+              <a:t>26/09/2024</a:t>
             </a:fld>
             <a:endParaRPr lang="pt-PT"/>
           </a:p>
@@ -1906,7 +1906,7 @@
           <a:p>
             <a:fld id="{FF4AF87E-A15D-4480-B791-15D75F8AF848}" type="datetimeFigureOut">
               <a:rPr lang="pt-PT" smtClean="0"/>
-              <a:t>26/05/2024</a:t>
+              <a:t>26/09/2024</a:t>
             </a:fld>
             <a:endParaRPr lang="pt-PT"/>
           </a:p>
@@ -2321,7 +2321,7 @@
           <a:p>
             <a:fld id="{FF4AF87E-A15D-4480-B791-15D75F8AF848}" type="datetimeFigureOut">
               <a:rPr lang="pt-PT" smtClean="0"/>
-              <a:t>26/05/2024</a:t>
+              <a:t>26/09/2024</a:t>
             </a:fld>
             <a:endParaRPr lang="pt-PT"/>
           </a:p>
@@ -2463,7 +2463,7 @@
           <a:p>
             <a:fld id="{FF4AF87E-A15D-4480-B791-15D75F8AF848}" type="datetimeFigureOut">
               <a:rPr lang="pt-PT" smtClean="0"/>
-              <a:t>26/05/2024</a:t>
+              <a:t>26/09/2024</a:t>
             </a:fld>
             <a:endParaRPr lang="pt-PT"/>
           </a:p>
@@ -2576,7 +2576,7 @@
           <a:p>
             <a:fld id="{FF4AF87E-A15D-4480-B791-15D75F8AF848}" type="datetimeFigureOut">
               <a:rPr lang="pt-PT" smtClean="0"/>
-              <a:t>26/05/2024</a:t>
+              <a:t>26/09/2024</a:t>
             </a:fld>
             <a:endParaRPr lang="pt-PT"/>
           </a:p>
@@ -2889,7 +2889,7 @@
           <a:p>
             <a:fld id="{FF4AF87E-A15D-4480-B791-15D75F8AF848}" type="datetimeFigureOut">
               <a:rPr lang="pt-PT" smtClean="0"/>
-              <a:t>26/05/2024</a:t>
+              <a:t>26/09/2024</a:t>
             </a:fld>
             <a:endParaRPr lang="pt-PT"/>
           </a:p>
@@ -3071,7 +3071,7 @@
           <a:p>
             <a:fld id="{5FC36660-F7C2-4C37-BD61-E2E985519A54}" type="datetime1">
               <a:rPr lang="pt-PT" smtClean="0"/>
-              <a:t>26/05/2024</a:t>
+              <a:t>26/09/2024</a:t>
             </a:fld>
             <a:endParaRPr lang="pt-PT" dirty="0"/>
           </a:p>
@@ -3348,7 +3348,7 @@
           <a:p>
             <a:fld id="{FF4AF87E-A15D-4480-B791-15D75F8AF848}" type="datetimeFigureOut">
               <a:rPr lang="pt-PT" smtClean="0"/>
-              <a:t>26/05/2024</a:t>
+              <a:t>26/09/2024</a:t>
             </a:fld>
             <a:endParaRPr lang="pt-PT"/>
           </a:p>
@@ -3548,7 +3548,7 @@
           <a:p>
             <a:fld id="{FF4AF87E-A15D-4480-B791-15D75F8AF848}" type="datetimeFigureOut">
               <a:rPr lang="pt-PT" smtClean="0"/>
-              <a:t>26/05/2024</a:t>
+              <a:t>26/09/2024</a:t>
             </a:fld>
             <a:endParaRPr lang="pt-PT"/>
           </a:p>
@@ -3758,7 +3758,7 @@
           <a:p>
             <a:fld id="{FF4AF87E-A15D-4480-B791-15D75F8AF848}" type="datetimeFigureOut">
               <a:rPr lang="pt-PT" smtClean="0"/>
-              <a:t>26/05/2024</a:t>
+              <a:t>26/09/2024</a:t>
             </a:fld>
             <a:endParaRPr lang="pt-PT"/>
           </a:p>
@@ -4016,7 +4016,7 @@
           <a:p>
             <a:fld id="{EC1C553A-1723-4842-A3DB-E76BD21F5C6D}" type="datetime1">
               <a:rPr lang="pt-PT" smtClean="0"/>
-              <a:t>26/05/2024</a:t>
+              <a:t>26/09/2024</a:t>
             </a:fld>
             <a:endParaRPr lang="pt-PT" dirty="0"/>
           </a:p>
@@ -4248,7 +4248,7 @@
           <a:p>
             <a:fld id="{CE9B351E-3840-4886-B007-BC84D7C14686}" type="datetime1">
               <a:rPr lang="pt-PT" smtClean="0"/>
-              <a:t>26/05/2024</a:t>
+              <a:t>26/09/2024</a:t>
             </a:fld>
             <a:endParaRPr lang="pt-PT" dirty="0"/>
           </a:p>
@@ -4615,7 +4615,7 @@
           <a:p>
             <a:fld id="{C8686839-F4ED-436E-9AC9-AC7A0A0CD179}" type="datetime1">
               <a:rPr lang="pt-PT" smtClean="0"/>
-              <a:t>26/05/2024</a:t>
+              <a:t>26/09/2024</a:t>
             </a:fld>
             <a:endParaRPr lang="pt-PT" dirty="0"/>
           </a:p>
@@ -4733,7 +4733,7 @@
           <a:p>
             <a:fld id="{2AB82247-1A7C-4F98-8F33-5E4D07EFBF12}" type="datetime1">
               <a:rPr lang="pt-PT" smtClean="0"/>
-              <a:t>26/05/2024</a:t>
+              <a:t>26/09/2024</a:t>
             </a:fld>
             <a:endParaRPr lang="pt-PT" dirty="0"/>
           </a:p>
@@ -4828,7 +4828,7 @@
           <a:p>
             <a:fld id="{AFE320DE-3391-4A27-9653-F2BD505B9A08}" type="datetime1">
               <a:rPr lang="pt-PT" smtClean="0"/>
-              <a:t>26/05/2024</a:t>
+              <a:t>26/09/2024</a:t>
             </a:fld>
             <a:endParaRPr lang="pt-PT" dirty="0"/>
           </a:p>
@@ -5105,7 +5105,7 @@
           <a:p>
             <a:fld id="{E69250C8-88B2-4209-BD56-05813AC521DC}" type="datetime1">
               <a:rPr lang="pt-PT" smtClean="0"/>
-              <a:t>26/05/2024</a:t>
+              <a:t>26/09/2024</a:t>
             </a:fld>
             <a:endParaRPr lang="pt-PT" dirty="0"/>
           </a:p>
@@ -5358,7 +5358,7 @@
           <a:p>
             <a:fld id="{0B847055-2F12-42A4-9432-334276564B1D}" type="datetime1">
               <a:rPr lang="pt-PT" smtClean="0"/>
-              <a:t>26/05/2024</a:t>
+              <a:t>26/09/2024</a:t>
             </a:fld>
             <a:endParaRPr lang="pt-PT" dirty="0"/>
           </a:p>
@@ -5571,7 +5571,7 @@
           <a:p>
             <a:fld id="{B0883CD8-EC5B-4369-8F97-BE1E84F10887}" type="datetime1">
               <a:rPr lang="pt-PT" smtClean="0"/>
-              <a:t>26/05/2024</a:t>
+              <a:t>26/09/2024</a:t>
             </a:fld>
             <a:endParaRPr lang="pt-PT" dirty="0"/>
           </a:p>
@@ -6130,7 +6130,7 @@
           <a:p>
             <a:fld id="{FF4AF87E-A15D-4480-B791-15D75F8AF848}" type="datetimeFigureOut">
               <a:rPr lang="pt-PT" smtClean="0"/>
-              <a:t>26/05/2024</a:t>
+              <a:t>26/09/2024</a:t>
             </a:fld>
             <a:endParaRPr lang="pt-PT"/>
           </a:p>
@@ -7080,7 +7080,7 @@
         </p:nvGrpSpPr>
         <p:grpSpPr>
           <a:xfrm>
-            <a:off x="236009" y="5056085"/>
+            <a:off x="207823" y="6112057"/>
             <a:ext cx="1122869" cy="283293"/>
             <a:chOff x="5611636" y="5954426"/>
             <a:chExt cx="1122870" cy="283293"/>
@@ -7210,7 +7210,7 @@
         </p:nvGrpSpPr>
         <p:grpSpPr>
           <a:xfrm>
-            <a:off x="236009" y="4344385"/>
+            <a:off x="207823" y="5362697"/>
             <a:ext cx="1118061" cy="283293"/>
             <a:chOff x="5611636" y="5954426"/>
             <a:chExt cx="1118062" cy="283293"/>
@@ -7340,7 +7340,7 @@
         </p:nvGrpSpPr>
         <p:grpSpPr>
           <a:xfrm>
-            <a:off x="236009" y="3632681"/>
+            <a:off x="207823" y="4988019"/>
             <a:ext cx="1456294" cy="283293"/>
             <a:chOff x="5611636" y="5954426"/>
             <a:chExt cx="1456295" cy="283293"/>
@@ -7458,266 +7458,6 @@
       </p:grpSp>
       <p:grpSp>
         <p:nvGrpSpPr>
-          <p:cNvPr id="39" name="Group 38">
-            <a:extLst>
-              <a:ext uri="{FF2B5EF4-FFF2-40B4-BE49-F238E27FC236}">
-                <a16:creationId xmlns:a16="http://schemas.microsoft.com/office/drawing/2014/main" id="{6B9268F2-133E-9972-E850-FCE0F70C0210}"/>
-              </a:ext>
-            </a:extLst>
-          </p:cNvPr>
-          <p:cNvGrpSpPr/>
-          <p:nvPr/>
-        </p:nvGrpSpPr>
-        <p:grpSpPr>
-          <a:xfrm>
-            <a:off x="236009" y="3276829"/>
-            <a:ext cx="1172562" cy="283293"/>
-            <a:chOff x="5611636" y="5954426"/>
-            <a:chExt cx="1172563" cy="283293"/>
-          </a:xfrm>
-        </p:grpSpPr>
-        <p:pic>
-          <p:nvPicPr>
-            <p:cNvPr id="40" name="Picture 39" descr="Icon&#10;&#10;Description automatically generated">
-              <a:extLst>
-                <a:ext uri="{FF2B5EF4-FFF2-40B4-BE49-F238E27FC236}">
-                  <a16:creationId xmlns:a16="http://schemas.microsoft.com/office/drawing/2014/main" id="{1657FC98-42A7-37A9-F166-A4E2E69C501A}"/>
-                </a:ext>
-              </a:extLst>
-            </p:cNvPr>
-            <p:cNvPicPr>
-              <a:picLocks noChangeAspect="1"/>
-            </p:cNvPicPr>
-            <p:nvPr/>
-          </p:nvPicPr>
-          <p:blipFill>
-            <a:blip r:embed="rId2" cstate="print">
-              <a:extLst>
-                <a:ext uri="{28A0092B-C50C-407E-A947-70E740481C1C}">
-                  <a14:useLocalDpi xmlns:a14="http://schemas.microsoft.com/office/drawing/2010/main" val="0"/>
-                </a:ext>
-              </a:extLst>
-            </a:blip>
-            <a:stretch>
-              <a:fillRect/>
-            </a:stretch>
-          </p:blipFill>
-          <p:spPr>
-            <a:xfrm flipH="1">
-              <a:off x="5611636" y="5973306"/>
-              <a:ext cx="495775" cy="264413"/>
-            </a:xfrm>
-            <a:prstGeom prst="rect">
-              <a:avLst/>
-            </a:prstGeom>
-          </p:spPr>
-        </p:pic>
-        <p:sp>
-          <p:nvSpPr>
-            <p:cNvPr id="41" name="Retângulo 5">
-              <a:extLst>
-                <a:ext uri="{FF2B5EF4-FFF2-40B4-BE49-F238E27FC236}">
-                  <a16:creationId xmlns:a16="http://schemas.microsoft.com/office/drawing/2014/main" id="{8FE437C0-5702-C11D-A66B-E29BC5859566}"/>
-                </a:ext>
-              </a:extLst>
-            </p:cNvPr>
-            <p:cNvSpPr/>
-            <p:nvPr/>
-          </p:nvSpPr>
-          <p:spPr>
-            <a:xfrm>
-              <a:off x="6107411" y="5954426"/>
-              <a:ext cx="676788" cy="276999"/>
-            </a:xfrm>
-            <a:prstGeom prst="rect">
-              <a:avLst/>
-            </a:prstGeom>
-          </p:spPr>
-          <p:txBody>
-            <a:bodyPr wrap="none">
-              <a:spAutoFit/>
-            </a:bodyPr>
-            <a:lstStyle/>
-            <a:p>
-              <a:pPr marL="0" marR="0" lvl="0" indent="0" defTabSz="914369" eaLnBrk="1" fontAlgn="auto" latinLnBrk="0" hangingPunct="1">
-                <a:lnSpc>
-                  <a:spcPct val="100000"/>
-                </a:lnSpc>
-                <a:spcBef>
-                  <a:spcPts val="0"/>
-                </a:spcBef>
-                <a:spcAft>
-                  <a:spcPts val="0"/>
-                </a:spcAft>
-                <a:buClrTx/>
-                <a:buSzTx/>
-                <a:buFontTx/>
-                <a:buNone/>
-                <a:tabLst/>
-                <a:defRPr/>
-              </a:pPr>
-              <a:r>
-                <a:rPr kumimoji="0" lang="en-US" sz="1200" b="0" i="0" u="none" strike="noStrike" kern="0" cap="none" spc="0" normalizeH="0" baseline="0" noProof="0" dirty="0">
-                  <a:ln>
-                    <a:noFill/>
-                  </a:ln>
-                  <a:solidFill>
-                    <a:prstClr val="black"/>
-                  </a:solidFill>
-                  <a:effectLst/>
-                  <a:uLnTx/>
-                  <a:uFillTx/>
-                  <a:hlinkClick r:id="rId6" action="ppaction://hlinkfile"/>
-                </a:rPr>
-                <a:t>hugging</a:t>
-              </a:r>
-              <a:endParaRPr kumimoji="0" lang="en-US" sz="1200" b="0" i="0" u="none" strike="noStrike" kern="0" cap="none" spc="0" normalizeH="0" baseline="0" noProof="0" dirty="0">
-                <a:ln>
-                  <a:noFill/>
-                </a:ln>
-                <a:solidFill>
-                  <a:prstClr val="black"/>
-                </a:solidFill>
-                <a:effectLst/>
-                <a:uLnTx/>
-                <a:uFillTx/>
-              </a:endParaRPr>
-            </a:p>
-          </p:txBody>
-        </p:sp>
-      </p:grpSp>
-      <p:grpSp>
-        <p:nvGrpSpPr>
-          <p:cNvPr id="42" name="Group 41">
-            <a:extLst>
-              <a:ext uri="{FF2B5EF4-FFF2-40B4-BE49-F238E27FC236}">
-                <a16:creationId xmlns:a16="http://schemas.microsoft.com/office/drawing/2014/main" id="{99C1596B-36F6-D2EB-4595-C870017CC1E9}"/>
-              </a:ext>
-            </a:extLst>
-          </p:cNvPr>
-          <p:cNvGrpSpPr/>
-          <p:nvPr/>
-        </p:nvGrpSpPr>
-        <p:grpSpPr>
-          <a:xfrm>
-            <a:off x="236009" y="2920977"/>
-            <a:ext cx="1337672" cy="283293"/>
-            <a:chOff x="5611636" y="5954426"/>
-            <a:chExt cx="1337673" cy="283293"/>
-          </a:xfrm>
-        </p:grpSpPr>
-        <p:pic>
-          <p:nvPicPr>
-            <p:cNvPr id="43" name="Picture 42" descr="Icon&#10;&#10;Description automatically generated">
-              <a:extLst>
-                <a:ext uri="{FF2B5EF4-FFF2-40B4-BE49-F238E27FC236}">
-                  <a16:creationId xmlns:a16="http://schemas.microsoft.com/office/drawing/2014/main" id="{93576164-88E6-6105-D100-88856DD69796}"/>
-                </a:ext>
-              </a:extLst>
-            </p:cNvPr>
-            <p:cNvPicPr>
-              <a:picLocks noChangeAspect="1"/>
-            </p:cNvPicPr>
-            <p:nvPr/>
-          </p:nvPicPr>
-          <p:blipFill>
-            <a:blip r:embed="rId2" cstate="print">
-              <a:extLst>
-                <a:ext uri="{28A0092B-C50C-407E-A947-70E740481C1C}">
-                  <a14:useLocalDpi xmlns:a14="http://schemas.microsoft.com/office/drawing/2010/main" val="0"/>
-                </a:ext>
-              </a:extLst>
-            </a:blip>
-            <a:stretch>
-              <a:fillRect/>
-            </a:stretch>
-          </p:blipFill>
-          <p:spPr>
-            <a:xfrm flipH="1">
-              <a:off x="5611636" y="5973306"/>
-              <a:ext cx="495775" cy="264413"/>
-            </a:xfrm>
-            <a:prstGeom prst="rect">
-              <a:avLst/>
-            </a:prstGeom>
-          </p:spPr>
-        </p:pic>
-        <p:sp>
-          <p:nvSpPr>
-            <p:cNvPr id="44" name="Retângulo 5">
-              <a:extLst>
-                <a:ext uri="{FF2B5EF4-FFF2-40B4-BE49-F238E27FC236}">
-                  <a16:creationId xmlns:a16="http://schemas.microsoft.com/office/drawing/2014/main" id="{ABD5F184-7655-8DE0-266F-655BE75B9999}"/>
-                </a:ext>
-              </a:extLst>
-            </p:cNvPr>
-            <p:cNvSpPr/>
-            <p:nvPr/>
-          </p:nvSpPr>
-          <p:spPr>
-            <a:xfrm>
-              <a:off x="6107411" y="5954426"/>
-              <a:ext cx="841898" cy="276999"/>
-            </a:xfrm>
-            <a:prstGeom prst="rect">
-              <a:avLst/>
-            </a:prstGeom>
-          </p:spPr>
-          <p:txBody>
-            <a:bodyPr wrap="none">
-              <a:spAutoFit/>
-            </a:bodyPr>
-            <a:lstStyle/>
-            <a:p>
-              <a:pPr marL="0" marR="0" lvl="0" indent="0" defTabSz="914369" eaLnBrk="1" fontAlgn="auto" latinLnBrk="0" hangingPunct="1">
-                <a:lnSpc>
-                  <a:spcPct val="100000"/>
-                </a:lnSpc>
-                <a:spcBef>
-                  <a:spcPts val="0"/>
-                </a:spcBef>
-                <a:spcAft>
-                  <a:spcPts val="0"/>
-                </a:spcAft>
-                <a:buClrTx/>
-                <a:buSzTx/>
-                <a:buFontTx/>
-                <a:buNone/>
-                <a:tabLst/>
-                <a:defRPr/>
-              </a:pPr>
-              <a:r>
-                <a:rPr kumimoji="0" lang="en-US" sz="1200" b="0" i="0" u="none" strike="noStrike" kern="0" cap="none" spc="0" normalizeH="0" baseline="0" noProof="0" dirty="0">
-                  <a:ln>
-                    <a:noFill/>
-                  </a:ln>
-                  <a:solidFill>
-                    <a:prstClr val="black"/>
-                  </a:solidFill>
-                  <a:effectLst/>
-                  <a:uLnTx/>
-                  <a:uFillTx/>
-                  <a:hlinkClick r:id="rId7" action="ppaction://hlinkfile"/>
-                </a:rPr>
-                <a:t>hackathon</a:t>
-              </a:r>
-              <a:endParaRPr kumimoji="0" lang="en-US" sz="1200" b="0" i="0" u="none" strike="noStrike" kern="0" cap="none" spc="0" normalizeH="0" baseline="0" noProof="0" dirty="0">
-                <a:ln>
-                  <a:noFill/>
-                </a:ln>
-                <a:solidFill>
-                  <a:prstClr val="black"/>
-                </a:solidFill>
-                <a:effectLst/>
-                <a:uLnTx/>
-                <a:uFillTx/>
-              </a:endParaRPr>
-            </a:p>
-          </p:txBody>
-        </p:sp>
-      </p:grpSp>
-      <p:grpSp>
-        <p:nvGrpSpPr>
           <p:cNvPr id="45" name="Group 44">
             <a:extLst>
               <a:ext uri="{FF2B5EF4-FFF2-40B4-BE49-F238E27FC236}">
@@ -7730,7 +7470,7 @@
         </p:nvGrpSpPr>
         <p:grpSpPr>
           <a:xfrm>
-            <a:off x="236009" y="2209273"/>
+            <a:off x="207823" y="4238663"/>
             <a:ext cx="1108442" cy="283293"/>
             <a:chOff x="5611636" y="5954426"/>
             <a:chExt cx="1108443" cy="283293"/>
@@ -7827,529 +7567,9 @@
                   <a:effectLst/>
                   <a:uLnTx/>
                   <a:uFillTx/>
-                  <a:hlinkClick r:id="rId8" action="ppaction://hlinkpres?slideindex=1&amp;slidetitle="/>
+                  <a:hlinkClick r:id="rId6" action="ppaction://hlinkpres?slideindex=1&amp;slidetitle="/>
                 </a:rPr>
                 <a:t>docker</a:t>
-              </a:r>
-              <a:endParaRPr kumimoji="0" lang="en-US" sz="1200" b="0" i="0" u="none" strike="noStrike" kern="0" cap="none" spc="0" normalizeH="0" baseline="0" noProof="0" dirty="0">
-                <a:ln>
-                  <a:noFill/>
-                </a:ln>
-                <a:solidFill>
-                  <a:prstClr val="black"/>
-                </a:solidFill>
-                <a:effectLst/>
-                <a:uLnTx/>
-                <a:uFillTx/>
-              </a:endParaRPr>
-            </a:p>
-          </p:txBody>
-        </p:sp>
-      </p:grpSp>
-      <p:grpSp>
-        <p:nvGrpSpPr>
-          <p:cNvPr id="48" name="Group 47">
-            <a:extLst>
-              <a:ext uri="{FF2B5EF4-FFF2-40B4-BE49-F238E27FC236}">
-                <a16:creationId xmlns:a16="http://schemas.microsoft.com/office/drawing/2014/main" id="{1FD8082E-C453-3F46-A439-8291919105DF}"/>
-              </a:ext>
-            </a:extLst>
-          </p:cNvPr>
-          <p:cNvGrpSpPr/>
-          <p:nvPr/>
-        </p:nvGrpSpPr>
-        <p:grpSpPr>
-          <a:xfrm>
-            <a:off x="236009" y="1853421"/>
-            <a:ext cx="1461104" cy="283293"/>
-            <a:chOff x="5611636" y="5954426"/>
-            <a:chExt cx="1461105" cy="283293"/>
-          </a:xfrm>
-        </p:grpSpPr>
-        <p:pic>
-          <p:nvPicPr>
-            <p:cNvPr id="49" name="Picture 48" descr="Icon&#10;&#10;Description automatically generated">
-              <a:extLst>
-                <a:ext uri="{FF2B5EF4-FFF2-40B4-BE49-F238E27FC236}">
-                  <a16:creationId xmlns:a16="http://schemas.microsoft.com/office/drawing/2014/main" id="{6107C76C-0352-FC1A-20BB-6E00F1693B05}"/>
-                </a:ext>
-              </a:extLst>
-            </p:cNvPr>
-            <p:cNvPicPr>
-              <a:picLocks noChangeAspect="1"/>
-            </p:cNvPicPr>
-            <p:nvPr/>
-          </p:nvPicPr>
-          <p:blipFill>
-            <a:blip r:embed="rId2" cstate="print">
-              <a:extLst>
-                <a:ext uri="{28A0092B-C50C-407E-A947-70E740481C1C}">
-                  <a14:useLocalDpi xmlns:a14="http://schemas.microsoft.com/office/drawing/2010/main" val="0"/>
-                </a:ext>
-              </a:extLst>
-            </a:blip>
-            <a:stretch>
-              <a:fillRect/>
-            </a:stretch>
-          </p:blipFill>
-          <p:spPr>
-            <a:xfrm flipH="1">
-              <a:off x="5611636" y="5973306"/>
-              <a:ext cx="495775" cy="264413"/>
-            </a:xfrm>
-            <a:prstGeom prst="rect">
-              <a:avLst/>
-            </a:prstGeom>
-          </p:spPr>
-        </p:pic>
-        <p:sp>
-          <p:nvSpPr>
-            <p:cNvPr id="50" name="Retângulo 5">
-              <a:extLst>
-                <a:ext uri="{FF2B5EF4-FFF2-40B4-BE49-F238E27FC236}">
-                  <a16:creationId xmlns:a16="http://schemas.microsoft.com/office/drawing/2014/main" id="{ACD089B5-4480-0CF8-C37F-F335EABB2DFA}"/>
-                </a:ext>
-              </a:extLst>
-            </p:cNvPr>
-            <p:cNvSpPr/>
-            <p:nvPr/>
-          </p:nvSpPr>
-          <p:spPr>
-            <a:xfrm>
-              <a:off x="6107411" y="5954426"/>
-              <a:ext cx="965330" cy="276999"/>
-            </a:xfrm>
-            <a:prstGeom prst="rect">
-              <a:avLst/>
-            </a:prstGeom>
-          </p:spPr>
-          <p:txBody>
-            <a:bodyPr wrap="none">
-              <a:spAutoFit/>
-            </a:bodyPr>
-            <a:lstStyle/>
-            <a:p>
-              <a:pPr marL="0" marR="0" lvl="0" indent="0" defTabSz="914369" eaLnBrk="1" fontAlgn="auto" latinLnBrk="0" hangingPunct="1">
-                <a:lnSpc>
-                  <a:spcPct val="100000"/>
-                </a:lnSpc>
-                <a:spcBef>
-                  <a:spcPts val="0"/>
-                </a:spcBef>
-                <a:spcAft>
-                  <a:spcPts val="0"/>
-                </a:spcAft>
-                <a:buClrTx/>
-                <a:buSzTx/>
-                <a:buFontTx/>
-                <a:buNone/>
-                <a:tabLst/>
-                <a:defRPr/>
-              </a:pPr>
-              <a:r>
-                <a:rPr kumimoji="0" lang="en-US" sz="1200" b="0" i="0" u="none" strike="noStrike" kern="0" cap="none" spc="0" normalizeH="0" baseline="0" noProof="0" dirty="0">
-                  <a:ln>
-                    <a:noFill/>
-                  </a:ln>
-                  <a:solidFill>
-                    <a:prstClr val="black"/>
-                  </a:solidFill>
-                  <a:effectLst/>
-                  <a:uLnTx/>
-                  <a:uFillTx/>
-                  <a:hlinkClick r:id="rId9" action="ppaction://hlinkfile"/>
-                </a:rPr>
-                <a:t>Contasimple</a:t>
-              </a:r>
-              <a:endParaRPr kumimoji="0" lang="en-US" sz="1200" b="0" i="0" u="none" strike="noStrike" kern="0" cap="none" spc="0" normalizeH="0" baseline="0" noProof="0" dirty="0">
-                <a:ln>
-                  <a:noFill/>
-                </a:ln>
-                <a:solidFill>
-                  <a:prstClr val="black"/>
-                </a:solidFill>
-                <a:effectLst/>
-                <a:uLnTx/>
-                <a:uFillTx/>
-              </a:endParaRPr>
-            </a:p>
-          </p:txBody>
-        </p:sp>
-      </p:grpSp>
-      <p:grpSp>
-        <p:nvGrpSpPr>
-          <p:cNvPr id="51" name="Group 50">
-            <a:extLst>
-              <a:ext uri="{FF2B5EF4-FFF2-40B4-BE49-F238E27FC236}">
-                <a16:creationId xmlns:a16="http://schemas.microsoft.com/office/drawing/2014/main" id="{068273B9-CCE8-C273-24F2-BE4853D5136D}"/>
-              </a:ext>
-            </a:extLst>
-          </p:cNvPr>
-          <p:cNvGrpSpPr/>
-          <p:nvPr/>
-        </p:nvGrpSpPr>
-        <p:grpSpPr>
-          <a:xfrm>
-            <a:off x="236009" y="1497569"/>
-            <a:ext cx="973790" cy="283293"/>
-            <a:chOff x="5611636" y="5954426"/>
-            <a:chExt cx="973791" cy="283293"/>
-          </a:xfrm>
-        </p:grpSpPr>
-        <p:pic>
-          <p:nvPicPr>
-            <p:cNvPr id="52" name="Picture 51" descr="Icon&#10;&#10;Description automatically generated">
-              <a:extLst>
-                <a:ext uri="{FF2B5EF4-FFF2-40B4-BE49-F238E27FC236}">
-                  <a16:creationId xmlns:a16="http://schemas.microsoft.com/office/drawing/2014/main" id="{E780A25F-6E21-BE97-5D4E-4FD6605A75CD}"/>
-                </a:ext>
-              </a:extLst>
-            </p:cNvPr>
-            <p:cNvPicPr>
-              <a:picLocks noChangeAspect="1"/>
-            </p:cNvPicPr>
-            <p:nvPr/>
-          </p:nvPicPr>
-          <p:blipFill>
-            <a:blip r:embed="rId2" cstate="print">
-              <a:extLst>
-                <a:ext uri="{28A0092B-C50C-407E-A947-70E740481C1C}">
-                  <a14:useLocalDpi xmlns:a14="http://schemas.microsoft.com/office/drawing/2010/main" val="0"/>
-                </a:ext>
-              </a:extLst>
-            </a:blip>
-            <a:stretch>
-              <a:fillRect/>
-            </a:stretch>
-          </p:blipFill>
-          <p:spPr>
-            <a:xfrm flipH="1">
-              <a:off x="5611636" y="5973306"/>
-              <a:ext cx="495775" cy="264413"/>
-            </a:xfrm>
-            <a:prstGeom prst="rect">
-              <a:avLst/>
-            </a:prstGeom>
-          </p:spPr>
-        </p:pic>
-        <p:sp>
-          <p:nvSpPr>
-            <p:cNvPr id="53" name="Retângulo 5">
-              <a:extLst>
-                <a:ext uri="{FF2B5EF4-FFF2-40B4-BE49-F238E27FC236}">
-                  <a16:creationId xmlns:a16="http://schemas.microsoft.com/office/drawing/2014/main" id="{DD5D0297-6772-E253-DA95-BE7CE0085FF3}"/>
-                </a:ext>
-              </a:extLst>
-            </p:cNvPr>
-            <p:cNvSpPr/>
-            <p:nvPr/>
-          </p:nvSpPr>
-          <p:spPr>
-            <a:xfrm>
-              <a:off x="6107411" y="5954426"/>
-              <a:ext cx="478016" cy="276999"/>
-            </a:xfrm>
-            <a:prstGeom prst="rect">
-              <a:avLst/>
-            </a:prstGeom>
-          </p:spPr>
-          <p:txBody>
-            <a:bodyPr wrap="none">
-              <a:spAutoFit/>
-            </a:bodyPr>
-            <a:lstStyle/>
-            <a:p>
-              <a:pPr marL="0" marR="0" lvl="0" indent="0" defTabSz="914369" eaLnBrk="1" fontAlgn="auto" latinLnBrk="0" hangingPunct="1">
-                <a:lnSpc>
-                  <a:spcPct val="100000"/>
-                </a:lnSpc>
-                <a:spcBef>
-                  <a:spcPts val="0"/>
-                </a:spcBef>
-                <a:spcAft>
-                  <a:spcPts val="0"/>
-                </a:spcAft>
-                <a:buClrTx/>
-                <a:buSzTx/>
-                <a:buFontTx/>
-                <a:buNone/>
-                <a:tabLst/>
-                <a:defRPr/>
-              </a:pPr>
-              <a:r>
-                <a:rPr kumimoji="0" lang="en-US" sz="1200" b="0" i="0" u="none" strike="noStrike" kern="0" cap="none" spc="0" normalizeH="0" baseline="0" noProof="0" dirty="0">
-                  <a:ln>
-                    <a:noFill/>
-                  </a:ln>
-                  <a:solidFill>
-                    <a:prstClr val="black"/>
-                  </a:solidFill>
-                  <a:effectLst/>
-                  <a:uLnTx/>
-                  <a:uFillTx/>
-                  <a:hlinkClick r:id="rId10" action="ppaction://hlinkfile"/>
-                </a:rPr>
-                <a:t>agile</a:t>
-              </a:r>
-              <a:endParaRPr kumimoji="0" lang="en-US" sz="1200" b="0" i="0" u="none" strike="noStrike" kern="0" cap="none" spc="0" normalizeH="0" baseline="0" noProof="0" dirty="0">
-                <a:ln>
-                  <a:noFill/>
-                </a:ln>
-                <a:solidFill>
-                  <a:prstClr val="black"/>
-                </a:solidFill>
-                <a:effectLst/>
-                <a:uLnTx/>
-                <a:uFillTx/>
-              </a:endParaRPr>
-            </a:p>
-          </p:txBody>
-        </p:sp>
-      </p:grpSp>
-      <p:grpSp>
-        <p:nvGrpSpPr>
-          <p:cNvPr id="11" name="Group 10">
-            <a:extLst>
-              <a:ext uri="{FF2B5EF4-FFF2-40B4-BE49-F238E27FC236}">
-                <a16:creationId xmlns:a16="http://schemas.microsoft.com/office/drawing/2014/main" id="{3D0FD9E3-9EBC-8A32-F3E1-9A418B1D0DD9}"/>
-              </a:ext>
-            </a:extLst>
-          </p:cNvPr>
-          <p:cNvGrpSpPr/>
-          <p:nvPr/>
-        </p:nvGrpSpPr>
-        <p:grpSpPr>
-          <a:xfrm>
-            <a:off x="236009" y="3988533"/>
-            <a:ext cx="1207829" cy="283293"/>
-            <a:chOff x="5611636" y="5954426"/>
-            <a:chExt cx="1207830" cy="283293"/>
-          </a:xfrm>
-        </p:grpSpPr>
-        <p:pic>
-          <p:nvPicPr>
-            <p:cNvPr id="12" name="Picture 11" descr="Icon&#10;&#10;Description automatically generated">
-              <a:extLst>
-                <a:ext uri="{FF2B5EF4-FFF2-40B4-BE49-F238E27FC236}">
-                  <a16:creationId xmlns:a16="http://schemas.microsoft.com/office/drawing/2014/main" id="{8445E0D3-9AED-CFF4-D15F-07C471CA5612}"/>
-                </a:ext>
-              </a:extLst>
-            </p:cNvPr>
-            <p:cNvPicPr>
-              <a:picLocks noChangeAspect="1"/>
-            </p:cNvPicPr>
-            <p:nvPr/>
-          </p:nvPicPr>
-          <p:blipFill>
-            <a:blip r:embed="rId2" cstate="print">
-              <a:extLst>
-                <a:ext uri="{28A0092B-C50C-407E-A947-70E740481C1C}">
-                  <a14:useLocalDpi xmlns:a14="http://schemas.microsoft.com/office/drawing/2010/main" val="0"/>
-                </a:ext>
-              </a:extLst>
-            </a:blip>
-            <a:stretch>
-              <a:fillRect/>
-            </a:stretch>
-          </p:blipFill>
-          <p:spPr>
-            <a:xfrm flipH="1">
-              <a:off x="5611636" y="5973306"/>
-              <a:ext cx="495775" cy="264413"/>
-            </a:xfrm>
-            <a:prstGeom prst="rect">
-              <a:avLst/>
-            </a:prstGeom>
-          </p:spPr>
-        </p:pic>
-        <p:sp>
-          <p:nvSpPr>
-            <p:cNvPr id="13" name="Retângulo 5">
-              <a:extLst>
-                <a:ext uri="{FF2B5EF4-FFF2-40B4-BE49-F238E27FC236}">
-                  <a16:creationId xmlns:a16="http://schemas.microsoft.com/office/drawing/2014/main" id="{2C285B6A-EA8B-FB5D-2A1E-306B5B2E84D2}"/>
-                </a:ext>
-              </a:extLst>
-            </p:cNvPr>
-            <p:cNvSpPr/>
-            <p:nvPr/>
-          </p:nvSpPr>
-          <p:spPr>
-            <a:xfrm>
-              <a:off x="6107411" y="5954426"/>
-              <a:ext cx="712055" cy="276999"/>
-            </a:xfrm>
-            <a:prstGeom prst="rect">
-              <a:avLst/>
-            </a:prstGeom>
-          </p:spPr>
-          <p:txBody>
-            <a:bodyPr wrap="none">
-              <a:spAutoFit/>
-            </a:bodyPr>
-            <a:lstStyle/>
-            <a:p>
-              <a:pPr marL="0" marR="0" lvl="0" indent="0" defTabSz="914369" eaLnBrk="1" fontAlgn="auto" latinLnBrk="0" hangingPunct="1">
-                <a:lnSpc>
-                  <a:spcPct val="100000"/>
-                </a:lnSpc>
-                <a:spcBef>
-                  <a:spcPts val="0"/>
-                </a:spcBef>
-                <a:spcAft>
-                  <a:spcPts val="0"/>
-                </a:spcAft>
-                <a:buClrTx/>
-                <a:buSzTx/>
-                <a:buFontTx/>
-                <a:buNone/>
-                <a:tabLst/>
-                <a:defRPr/>
-              </a:pPr>
-              <a:r>
-                <a:rPr kumimoji="0" lang="en-US" sz="1200" b="0" i="0" u="none" strike="noStrike" kern="0" cap="none" spc="0" normalizeH="0" baseline="0" noProof="0" dirty="0">
-                  <a:ln>
-                    <a:noFill/>
-                  </a:ln>
-                  <a:solidFill>
-                    <a:prstClr val="black"/>
-                  </a:solidFill>
-                  <a:effectLst/>
-                  <a:uLnTx/>
-                  <a:uFillTx/>
-                  <a:hlinkClick r:id="rId11" action="ppaction://hlinkpres?slideindex=1&amp;slidetitle="/>
-                </a:rPr>
-                <a:t>memory</a:t>
-              </a:r>
-              <a:endParaRPr kumimoji="0" lang="en-US" sz="1200" b="0" i="0" u="none" strike="noStrike" kern="0" cap="none" spc="0" normalizeH="0" baseline="0" noProof="0" dirty="0">
-                <a:ln>
-                  <a:noFill/>
-                </a:ln>
-                <a:solidFill>
-                  <a:prstClr val="black"/>
-                </a:solidFill>
-                <a:effectLst/>
-                <a:uLnTx/>
-                <a:uFillTx/>
-              </a:endParaRPr>
-            </a:p>
-          </p:txBody>
-        </p:sp>
-      </p:grpSp>
-      <p:grpSp>
-        <p:nvGrpSpPr>
-          <p:cNvPr id="14" name="Group 13">
-            <a:extLst>
-              <a:ext uri="{FF2B5EF4-FFF2-40B4-BE49-F238E27FC236}">
-                <a16:creationId xmlns:a16="http://schemas.microsoft.com/office/drawing/2014/main" id="{2C969DF3-E94E-DD1C-D083-494BCD1B8CA7}"/>
-              </a:ext>
-            </a:extLst>
-          </p:cNvPr>
-          <p:cNvGrpSpPr/>
-          <p:nvPr/>
-        </p:nvGrpSpPr>
-        <p:grpSpPr>
-          <a:xfrm>
-            <a:off x="236009" y="4700237"/>
-            <a:ext cx="1332864" cy="283293"/>
-            <a:chOff x="5611636" y="5954426"/>
-            <a:chExt cx="1332865" cy="283293"/>
-          </a:xfrm>
-        </p:grpSpPr>
-        <p:pic>
-          <p:nvPicPr>
-            <p:cNvPr id="15" name="Picture 14" descr="Icon&#10;&#10;Description automatically generated">
-              <a:extLst>
-                <a:ext uri="{FF2B5EF4-FFF2-40B4-BE49-F238E27FC236}">
-                  <a16:creationId xmlns:a16="http://schemas.microsoft.com/office/drawing/2014/main" id="{7EDD78A2-452A-F5D3-A818-76BB997954FD}"/>
-                </a:ext>
-              </a:extLst>
-            </p:cNvPr>
-            <p:cNvPicPr>
-              <a:picLocks noChangeAspect="1"/>
-            </p:cNvPicPr>
-            <p:nvPr/>
-          </p:nvPicPr>
-          <p:blipFill>
-            <a:blip r:embed="rId2" cstate="print">
-              <a:extLst>
-                <a:ext uri="{28A0092B-C50C-407E-A947-70E740481C1C}">
-                  <a14:useLocalDpi xmlns:a14="http://schemas.microsoft.com/office/drawing/2010/main" val="0"/>
-                </a:ext>
-              </a:extLst>
-            </a:blip>
-            <a:stretch>
-              <a:fillRect/>
-            </a:stretch>
-          </p:blipFill>
-          <p:spPr>
-            <a:xfrm flipH="1">
-              <a:off x="5611636" y="5973306"/>
-              <a:ext cx="495775" cy="264413"/>
-            </a:xfrm>
-            <a:prstGeom prst="rect">
-              <a:avLst/>
-            </a:prstGeom>
-          </p:spPr>
-        </p:pic>
-        <p:sp>
-          <p:nvSpPr>
-            <p:cNvPr id="16" name="Retângulo 5">
-              <a:extLst>
-                <a:ext uri="{FF2B5EF4-FFF2-40B4-BE49-F238E27FC236}">
-                  <a16:creationId xmlns:a16="http://schemas.microsoft.com/office/drawing/2014/main" id="{3AFC4B65-2421-A08E-2706-1EB278E68FB4}"/>
-                </a:ext>
-              </a:extLst>
-            </p:cNvPr>
-            <p:cNvSpPr/>
-            <p:nvPr/>
-          </p:nvSpPr>
-          <p:spPr>
-            <a:xfrm>
-              <a:off x="6107411" y="5954426"/>
-              <a:ext cx="837090" cy="276999"/>
-            </a:xfrm>
-            <a:prstGeom prst="rect">
-              <a:avLst/>
-            </a:prstGeom>
-          </p:spPr>
-          <p:txBody>
-            <a:bodyPr wrap="none">
-              <a:spAutoFit/>
-            </a:bodyPr>
-            <a:lstStyle/>
-            <a:p>
-              <a:pPr marL="0" marR="0" lvl="0" indent="0" defTabSz="914369" eaLnBrk="1" fontAlgn="auto" latinLnBrk="0" hangingPunct="1">
-                <a:lnSpc>
-                  <a:spcPct val="100000"/>
-                </a:lnSpc>
-                <a:spcBef>
-                  <a:spcPts val="0"/>
-                </a:spcBef>
-                <a:spcAft>
-                  <a:spcPts val="0"/>
-                </a:spcAft>
-                <a:buClrTx/>
-                <a:buSzTx/>
-                <a:buFontTx/>
-                <a:buNone/>
-                <a:tabLst/>
-                <a:defRPr/>
-              </a:pPr>
-              <a:r>
-                <a:rPr kumimoji="0" lang="en-US" sz="1200" b="0" i="0" u="none" strike="noStrike" kern="0" cap="none" spc="0" normalizeH="0" baseline="0" noProof="0" dirty="0">
-                  <a:ln>
-                    <a:noFill/>
-                  </a:ln>
-                  <a:solidFill>
-                    <a:prstClr val="black"/>
-                  </a:solidFill>
-                  <a:effectLst/>
-                  <a:uLnTx/>
-                  <a:uFillTx/>
-                  <a:hlinkClick r:id="rId12" action="ppaction://hlinkpres?slideindex=1&amp;slidetitle="/>
-                </a:rPr>
-                <a:t>paradigms</a:t>
               </a:r>
               <a:endParaRPr kumimoji="0" lang="en-US" sz="1200" b="0" i="0" u="none" strike="noStrike" kern="0" cap="none" spc="0" normalizeH="0" baseline="0" noProof="0" dirty="0">
                 <a:ln>
@@ -8389,7 +7609,7 @@
         <p:sp>
           <p:nvSpPr>
             <p:cNvPr id="18" name="CaixaDeTexto 17">
-              <a:hlinkClick r:id="rId13" action="ppaction://program"/>
+              <a:hlinkClick r:id="rId7" action="ppaction://program"/>
               <a:extLst>
                 <a:ext uri="{FF2B5EF4-FFF2-40B4-BE49-F238E27FC236}">
                   <a16:creationId xmlns:a16="http://schemas.microsoft.com/office/drawing/2014/main" id="{5FF1A665-7E20-0041-8FFD-FEC5712D50AD}"/>
@@ -8433,7 +7653,7 @@
                     </a:srgbClr>
                   </a:solidFill>
                   <a:latin typeface="Calibri Light" panose="020F0302020204030204"/>
-                  <a:hlinkClick r:id="rId14" action="ppaction://hlinkfile"/>
+                  <a:hlinkClick r:id="rId8" action="ppaction://hlinkfile"/>
                 </a:rPr>
                 <a:t>_resources</a:t>
               </a:r>
@@ -8451,7 +7671,7 @@
         <p:pic>
           <p:nvPicPr>
             <p:cNvPr id="19" name="Imagem 18">
-              <a:hlinkClick r:id="rId13" action="ppaction://program"/>
+              <a:hlinkClick r:id="rId7" action="ppaction://program"/>
               <a:extLst>
                 <a:ext uri="{FF2B5EF4-FFF2-40B4-BE49-F238E27FC236}">
                   <a16:creationId xmlns:a16="http://schemas.microsoft.com/office/drawing/2014/main" id="{82E168AE-7EAA-18A9-1D62-E84B5C6DF306}"/>
@@ -8464,7 +7684,7 @@
             <p:nvPr/>
           </p:nvPicPr>
           <p:blipFill>
-            <a:blip r:embed="rId15" cstate="print">
+            <a:blip r:embed="rId9" cstate="print">
               <a:extLst>
                 <a:ext uri="{28A0092B-C50C-407E-A947-70E740481C1C}">
                   <a14:useLocalDpi xmlns:a14="http://schemas.microsoft.com/office/drawing/2010/main" val="0"/>
@@ -8509,7 +7729,7 @@
         <p:sp>
           <p:nvSpPr>
             <p:cNvPr id="21" name="CaixaDeTexto 17">
-              <a:hlinkClick r:id="rId13" action="ppaction://program"/>
+              <a:hlinkClick r:id="rId7" action="ppaction://program"/>
               <a:extLst>
                 <a:ext uri="{FF2B5EF4-FFF2-40B4-BE49-F238E27FC236}">
                   <a16:creationId xmlns:a16="http://schemas.microsoft.com/office/drawing/2014/main" id="{E68C3CF3-D74C-CFCF-4C13-4D4D3B77BAD5}"/>
@@ -8553,7 +7773,7 @@
                     </a:srgbClr>
                   </a:solidFill>
                   <a:latin typeface="Calibri Light" panose="020F0302020204030204"/>
-                  <a:hlinkClick r:id="rId14" action="ppaction://hlinkfile"/>
+                  <a:hlinkClick r:id="rId8" action="ppaction://hlinkfile"/>
                 </a:rPr>
                 <a:t>_</a:t>
               </a:r>
@@ -8565,7 +7785,7 @@
                     </a:srgbClr>
                   </a:solidFill>
                   <a:latin typeface="Calibri Light" panose="020F0302020204030204"/>
-                  <a:hlinkClick r:id="rId16" action="ppaction://hlinkfile"/>
+                  <a:hlinkClick r:id="rId10" action="ppaction://hlinkfile"/>
                 </a:rPr>
                 <a:t>_work</a:t>
               </a:r>
@@ -8583,7 +7803,7 @@
         <p:pic>
           <p:nvPicPr>
             <p:cNvPr id="22" name="Imagem 18">
-              <a:hlinkClick r:id="rId13" action="ppaction://program"/>
+              <a:hlinkClick r:id="rId7" action="ppaction://program"/>
               <a:extLst>
                 <a:ext uri="{FF2B5EF4-FFF2-40B4-BE49-F238E27FC236}">
                   <a16:creationId xmlns:a16="http://schemas.microsoft.com/office/drawing/2014/main" id="{4CF8228A-C3A4-9325-1BCC-9FB58534F7AA}"/>
@@ -8596,7 +7816,7 @@
             <p:nvPr/>
           </p:nvPicPr>
           <p:blipFill>
-            <a:blip r:embed="rId15" cstate="print">
+            <a:blip r:embed="rId9" cstate="print">
               <a:extLst>
                 <a:ext uri="{28A0092B-C50C-407E-A947-70E740481C1C}">
                   <a14:useLocalDpi xmlns:a14="http://schemas.microsoft.com/office/drawing/2010/main" val="0"/>
@@ -8632,7 +7852,7 @@
         </p:nvGrpSpPr>
         <p:grpSpPr>
           <a:xfrm>
-            <a:off x="236009" y="2565125"/>
+            <a:off x="207823" y="4613341"/>
             <a:ext cx="839138" cy="283293"/>
             <a:chOff x="5611636" y="5954426"/>
             <a:chExt cx="839139" cy="283293"/>
@@ -8729,9 +7949,919 @@
                   <a:effectLst/>
                   <a:uLnTx/>
                   <a:uFillTx/>
+                  <a:hlinkClick r:id="rId11" action="ppaction://hlinkpres?slideindex=1&amp;slidetitle="/>
+                </a:rPr>
+                <a:t>git</a:t>
+              </a:r>
+              <a:endParaRPr kumimoji="0" lang="en-US" sz="1200" b="0" i="0" u="none" strike="noStrike" kern="0" cap="none" spc="0" normalizeH="0" baseline="0" noProof="0" dirty="0">
+                <a:ln>
+                  <a:noFill/>
+                </a:ln>
+                <a:solidFill>
+                  <a:prstClr val="black"/>
+                </a:solidFill>
+                <a:effectLst/>
+                <a:uLnTx/>
+                <a:uFillTx/>
+              </a:endParaRPr>
+            </a:p>
+          </p:txBody>
+        </p:sp>
+      </p:grpSp>
+      <p:grpSp>
+        <p:nvGrpSpPr>
+          <p:cNvPr id="26" name="Group 25">
+            <a:extLst>
+              <a:ext uri="{FF2B5EF4-FFF2-40B4-BE49-F238E27FC236}">
+                <a16:creationId xmlns:a16="http://schemas.microsoft.com/office/drawing/2014/main" id="{612E50BD-76A4-6E36-3BDC-B7C887CC62B2}"/>
+              </a:ext>
+            </a:extLst>
+          </p:cNvPr>
+          <p:cNvGrpSpPr/>
+          <p:nvPr/>
+        </p:nvGrpSpPr>
+        <p:grpSpPr>
+          <a:xfrm>
+            <a:off x="207823" y="5737375"/>
+            <a:ext cx="1305612" cy="283293"/>
+            <a:chOff x="5611636" y="5954426"/>
+            <a:chExt cx="1305613" cy="283293"/>
+          </a:xfrm>
+        </p:grpSpPr>
+        <p:pic>
+          <p:nvPicPr>
+            <p:cNvPr id="27" name="Picture 26" descr="Icon&#10;&#10;Description automatically generated">
+              <a:extLst>
+                <a:ext uri="{FF2B5EF4-FFF2-40B4-BE49-F238E27FC236}">
+                  <a16:creationId xmlns:a16="http://schemas.microsoft.com/office/drawing/2014/main" id="{AD671DE2-FEF4-DA56-06D7-FB17170A411E}"/>
+                </a:ext>
+              </a:extLst>
+            </p:cNvPr>
+            <p:cNvPicPr>
+              <a:picLocks noChangeAspect="1"/>
+            </p:cNvPicPr>
+            <p:nvPr/>
+          </p:nvPicPr>
+          <p:blipFill>
+            <a:blip r:embed="rId2" cstate="print">
+              <a:extLst>
+                <a:ext uri="{28A0092B-C50C-407E-A947-70E740481C1C}">
+                  <a14:useLocalDpi xmlns:a14="http://schemas.microsoft.com/office/drawing/2010/main" val="0"/>
+                </a:ext>
+              </a:extLst>
+            </a:blip>
+            <a:stretch>
+              <a:fillRect/>
+            </a:stretch>
+          </p:blipFill>
+          <p:spPr>
+            <a:xfrm flipH="1">
+              <a:off x="5611636" y="5973306"/>
+              <a:ext cx="495775" cy="264413"/>
+            </a:xfrm>
+            <a:prstGeom prst="rect">
+              <a:avLst/>
+            </a:prstGeom>
+          </p:spPr>
+        </p:pic>
+        <p:sp>
+          <p:nvSpPr>
+            <p:cNvPr id="28" name="Retângulo 5">
+              <a:extLst>
+                <a:ext uri="{FF2B5EF4-FFF2-40B4-BE49-F238E27FC236}">
+                  <a16:creationId xmlns:a16="http://schemas.microsoft.com/office/drawing/2014/main" id="{721C9215-4348-4AD3-2E4A-D19A76C98D31}"/>
+                </a:ext>
+              </a:extLst>
+            </p:cNvPr>
+            <p:cNvSpPr/>
+            <p:nvPr/>
+          </p:nvSpPr>
+          <p:spPr>
+            <a:xfrm>
+              <a:off x="6107411" y="5954426"/>
+              <a:ext cx="809838" cy="276999"/>
+            </a:xfrm>
+            <a:prstGeom prst="rect">
+              <a:avLst/>
+            </a:prstGeom>
+          </p:spPr>
+          <p:txBody>
+            <a:bodyPr wrap="none">
+              <a:spAutoFit/>
+            </a:bodyPr>
+            <a:lstStyle/>
+            <a:p>
+              <a:pPr marL="0" marR="0" lvl="0" indent="0" defTabSz="914369" eaLnBrk="1" fontAlgn="auto" latinLnBrk="0" hangingPunct="1">
+                <a:lnSpc>
+                  <a:spcPct val="100000"/>
+                </a:lnSpc>
+                <a:spcBef>
+                  <a:spcPts val="0"/>
+                </a:spcBef>
+                <a:spcAft>
+                  <a:spcPts val="0"/>
+                </a:spcAft>
+                <a:buClrTx/>
+                <a:buSzTx/>
+                <a:buFontTx/>
+                <a:buNone/>
+                <a:tabLst/>
+                <a:defRPr/>
+              </a:pPr>
+              <a:r>
+                <a:rPr kumimoji="0" lang="en-US" sz="1200" b="0" i="0" u="none" strike="noStrike" kern="0" cap="none" spc="0" normalizeH="0" baseline="0" noProof="0" dirty="0">
+                  <a:ln>
+                    <a:noFill/>
+                  </a:ln>
+                  <a:solidFill>
+                    <a:prstClr val="black"/>
+                  </a:solidFill>
+                  <a:effectLst/>
+                  <a:uLnTx/>
+                  <a:uFillTx/>
+                  <a:hlinkClick r:id="rId12" action="ppaction://hlinkpres?slideindex=1&amp;slidetitle="/>
+                </a:rPr>
+                <a:t>MongoDB</a:t>
+              </a:r>
+              <a:endParaRPr kumimoji="0" lang="en-US" sz="1200" b="0" i="0" u="none" strike="noStrike" kern="0" cap="none" spc="0" normalizeH="0" baseline="0" noProof="0" dirty="0">
+                <a:ln>
+                  <a:noFill/>
+                </a:ln>
+                <a:solidFill>
+                  <a:prstClr val="black"/>
+                </a:solidFill>
+                <a:effectLst/>
+                <a:uLnTx/>
+                <a:uFillTx/>
+              </a:endParaRPr>
+            </a:p>
+          </p:txBody>
+        </p:sp>
+      </p:grpSp>
+      <p:grpSp>
+        <p:nvGrpSpPr>
+          <p:cNvPr id="29" name="Group 28">
+            <a:extLst>
+              <a:ext uri="{FF2B5EF4-FFF2-40B4-BE49-F238E27FC236}">
+                <a16:creationId xmlns:a16="http://schemas.microsoft.com/office/drawing/2014/main" id="{3A5299B3-3364-0B4D-E372-D798FF06F524}"/>
+              </a:ext>
+            </a:extLst>
+          </p:cNvPr>
+          <p:cNvGrpSpPr/>
+          <p:nvPr/>
+        </p:nvGrpSpPr>
+        <p:grpSpPr>
+          <a:xfrm>
+            <a:off x="207823" y="2365273"/>
+            <a:ext cx="1443470" cy="283293"/>
+            <a:chOff x="5611636" y="5954426"/>
+            <a:chExt cx="1443471" cy="283293"/>
+          </a:xfrm>
+        </p:grpSpPr>
+        <p:pic>
+          <p:nvPicPr>
+            <p:cNvPr id="30" name="Picture 29" descr="Icon&#10;&#10;Description automatically generated">
+              <a:extLst>
+                <a:ext uri="{FF2B5EF4-FFF2-40B4-BE49-F238E27FC236}">
+                  <a16:creationId xmlns:a16="http://schemas.microsoft.com/office/drawing/2014/main" id="{6A752AC1-17C5-F53A-667E-A50CA1CD43A1}"/>
+                </a:ext>
+              </a:extLst>
+            </p:cNvPr>
+            <p:cNvPicPr>
+              <a:picLocks noChangeAspect="1"/>
+            </p:cNvPicPr>
+            <p:nvPr/>
+          </p:nvPicPr>
+          <p:blipFill>
+            <a:blip r:embed="rId2" cstate="print">
+              <a:extLst>
+                <a:ext uri="{28A0092B-C50C-407E-A947-70E740481C1C}">
+                  <a14:useLocalDpi xmlns:a14="http://schemas.microsoft.com/office/drawing/2010/main" val="0"/>
+                </a:ext>
+              </a:extLst>
+            </a:blip>
+            <a:stretch>
+              <a:fillRect/>
+            </a:stretch>
+          </p:blipFill>
+          <p:spPr>
+            <a:xfrm flipH="1">
+              <a:off x="5611636" y="5973306"/>
+              <a:ext cx="495775" cy="264413"/>
+            </a:xfrm>
+            <a:prstGeom prst="rect">
+              <a:avLst/>
+            </a:prstGeom>
+          </p:spPr>
+        </p:pic>
+        <p:sp>
+          <p:nvSpPr>
+            <p:cNvPr id="31" name="Retângulo 5">
+              <a:extLst>
+                <a:ext uri="{FF2B5EF4-FFF2-40B4-BE49-F238E27FC236}">
+                  <a16:creationId xmlns:a16="http://schemas.microsoft.com/office/drawing/2014/main" id="{E1054664-D8C3-B342-30C1-89BEE87AE8C3}"/>
+                </a:ext>
+              </a:extLst>
+            </p:cNvPr>
+            <p:cNvSpPr/>
+            <p:nvPr/>
+          </p:nvSpPr>
+          <p:spPr>
+            <a:xfrm>
+              <a:off x="6107411" y="5954426"/>
+              <a:ext cx="947696" cy="276999"/>
+            </a:xfrm>
+            <a:prstGeom prst="rect">
+              <a:avLst/>
+            </a:prstGeom>
+          </p:spPr>
+          <p:txBody>
+            <a:bodyPr wrap="none">
+              <a:spAutoFit/>
+            </a:bodyPr>
+            <a:lstStyle/>
+            <a:p>
+              <a:pPr marL="0" marR="0" lvl="0" indent="0" defTabSz="914369" eaLnBrk="1" fontAlgn="auto" latinLnBrk="0" hangingPunct="1">
+                <a:lnSpc>
+                  <a:spcPct val="100000"/>
+                </a:lnSpc>
+                <a:spcBef>
+                  <a:spcPts val="0"/>
+                </a:spcBef>
+                <a:spcAft>
+                  <a:spcPts val="0"/>
+                </a:spcAft>
+                <a:buClrTx/>
+                <a:buSzTx/>
+                <a:buFontTx/>
+                <a:buNone/>
+                <a:tabLst/>
+                <a:defRPr/>
+              </a:pPr>
+              <a:r>
+                <a:rPr kumimoji="0" lang="en-US" sz="1200" b="0" i="0" u="none" strike="noStrike" kern="0" cap="none" spc="0" normalizeH="0" baseline="0" noProof="0" dirty="0">
+                  <a:ln>
+                    <a:noFill/>
+                  </a:ln>
+                  <a:solidFill>
+                    <a:prstClr val="black"/>
+                  </a:solidFill>
+                  <a:effectLst/>
+                  <a:uLnTx/>
+                  <a:uFillTx/>
+                  <a:hlinkClick r:id="rId13" action="ppaction://hlinkpres?slideindex=1&amp;slidetitle="/>
+                </a:rPr>
+                <a:t>architecture</a:t>
+              </a:r>
+              <a:endParaRPr kumimoji="0" lang="en-US" sz="1200" b="0" i="0" u="none" strike="noStrike" kern="0" cap="none" spc="0" normalizeH="0" baseline="0" noProof="0" dirty="0">
+                <a:ln>
+                  <a:noFill/>
+                </a:ln>
+                <a:solidFill>
+                  <a:prstClr val="black"/>
+                </a:solidFill>
+                <a:effectLst/>
+                <a:uLnTx/>
+                <a:uFillTx/>
+              </a:endParaRPr>
+            </a:p>
+          </p:txBody>
+        </p:sp>
+      </p:grpSp>
+      <p:grpSp>
+        <p:nvGrpSpPr>
+          <p:cNvPr id="14" name="Group 13">
+            <a:extLst>
+              <a:ext uri="{FF2B5EF4-FFF2-40B4-BE49-F238E27FC236}">
+                <a16:creationId xmlns:a16="http://schemas.microsoft.com/office/drawing/2014/main" id="{61761EF2-7698-0807-7DD0-3C3D1C6AD31D}"/>
+              </a:ext>
+            </a:extLst>
+          </p:cNvPr>
+          <p:cNvGrpSpPr/>
+          <p:nvPr/>
+        </p:nvGrpSpPr>
+        <p:grpSpPr>
+          <a:xfrm>
+            <a:off x="207823" y="1990595"/>
+            <a:ext cx="789444" cy="283293"/>
+            <a:chOff x="5611636" y="5954426"/>
+            <a:chExt cx="789445" cy="283293"/>
+          </a:xfrm>
+        </p:grpSpPr>
+        <p:pic>
+          <p:nvPicPr>
+            <p:cNvPr id="15" name="Picture 14" descr="Icon&#10;&#10;Description automatically generated">
+              <a:extLst>
+                <a:ext uri="{FF2B5EF4-FFF2-40B4-BE49-F238E27FC236}">
+                  <a16:creationId xmlns:a16="http://schemas.microsoft.com/office/drawing/2014/main" id="{D3545969-1687-D082-B81A-CB43B57286CB}"/>
+                </a:ext>
+              </a:extLst>
+            </p:cNvPr>
+            <p:cNvPicPr>
+              <a:picLocks noChangeAspect="1"/>
+            </p:cNvPicPr>
+            <p:nvPr/>
+          </p:nvPicPr>
+          <p:blipFill>
+            <a:blip r:embed="rId2" cstate="print">
+              <a:extLst>
+                <a:ext uri="{28A0092B-C50C-407E-A947-70E740481C1C}">
+                  <a14:useLocalDpi xmlns:a14="http://schemas.microsoft.com/office/drawing/2010/main" val="0"/>
+                </a:ext>
+              </a:extLst>
+            </a:blip>
+            <a:stretch>
+              <a:fillRect/>
+            </a:stretch>
+          </p:blipFill>
+          <p:spPr>
+            <a:xfrm flipH="1">
+              <a:off x="5611636" y="5973306"/>
+              <a:ext cx="495775" cy="264413"/>
+            </a:xfrm>
+            <a:prstGeom prst="rect">
+              <a:avLst/>
+            </a:prstGeom>
+          </p:spPr>
+        </p:pic>
+        <p:sp>
+          <p:nvSpPr>
+            <p:cNvPr id="16" name="Retângulo 5">
+              <a:extLst>
+                <a:ext uri="{FF2B5EF4-FFF2-40B4-BE49-F238E27FC236}">
+                  <a16:creationId xmlns:a16="http://schemas.microsoft.com/office/drawing/2014/main" id="{844B69B2-80F9-3733-ACC2-47A3D7806964}"/>
+                </a:ext>
+              </a:extLst>
+            </p:cNvPr>
+            <p:cNvSpPr/>
+            <p:nvPr/>
+          </p:nvSpPr>
+          <p:spPr>
+            <a:xfrm>
+              <a:off x="6107411" y="5954426"/>
+              <a:ext cx="293670" cy="276999"/>
+            </a:xfrm>
+            <a:prstGeom prst="rect">
+              <a:avLst/>
+            </a:prstGeom>
+          </p:spPr>
+          <p:txBody>
+            <a:bodyPr wrap="none">
+              <a:spAutoFit/>
+            </a:bodyPr>
+            <a:lstStyle/>
+            <a:p>
+              <a:pPr marL="0" marR="0" lvl="0" indent="0" defTabSz="914369" eaLnBrk="1" fontAlgn="auto" latinLnBrk="0" hangingPunct="1">
+                <a:lnSpc>
+                  <a:spcPct val="100000"/>
+                </a:lnSpc>
+                <a:spcBef>
+                  <a:spcPts val="0"/>
+                </a:spcBef>
+                <a:spcAft>
+                  <a:spcPts val="0"/>
+                </a:spcAft>
+                <a:buClrTx/>
+                <a:buSzTx/>
+                <a:buFontTx/>
+                <a:buNone/>
+                <a:tabLst/>
+                <a:defRPr/>
+              </a:pPr>
+              <a:r>
+                <a:rPr kumimoji="0" lang="en-US" sz="1200" b="0" i="0" u="none" strike="noStrike" kern="0" cap="none" spc="0" normalizeH="0" baseline="0" noProof="0" dirty="0">
+                  <a:ln>
+                    <a:noFill/>
+                  </a:ln>
+                  <a:solidFill>
+                    <a:prstClr val="black"/>
+                  </a:solidFill>
+                  <a:effectLst/>
+                  <a:uLnTx/>
+                  <a:uFillTx/>
+                  <a:hlinkClick r:id="rId14" action="ppaction://hlinkpres?slideindex=1&amp;slidetitle="/>
+                </a:rPr>
+                <a:t>ai</a:t>
+              </a:r>
+              <a:endParaRPr kumimoji="0" lang="en-US" sz="1200" b="0" i="0" u="none" strike="noStrike" kern="0" cap="none" spc="0" normalizeH="0" baseline="0" noProof="0" dirty="0">
+                <a:ln>
+                  <a:noFill/>
+                </a:ln>
+                <a:solidFill>
+                  <a:prstClr val="black"/>
+                </a:solidFill>
+                <a:effectLst/>
+                <a:uLnTx/>
+                <a:uFillTx/>
+              </a:endParaRPr>
+            </a:p>
+          </p:txBody>
+        </p:sp>
+      </p:grpSp>
+      <p:grpSp>
+        <p:nvGrpSpPr>
+          <p:cNvPr id="11" name="Group 10">
+            <a:extLst>
+              <a:ext uri="{FF2B5EF4-FFF2-40B4-BE49-F238E27FC236}">
+                <a16:creationId xmlns:a16="http://schemas.microsoft.com/office/drawing/2014/main" id="{E43945C8-D028-B38E-B7E8-2DB5008FD04C}"/>
+              </a:ext>
+            </a:extLst>
+          </p:cNvPr>
+          <p:cNvGrpSpPr/>
+          <p:nvPr/>
+        </p:nvGrpSpPr>
+        <p:grpSpPr>
+          <a:xfrm>
+            <a:off x="207823" y="2739951"/>
+            <a:ext cx="1597359" cy="283293"/>
+            <a:chOff x="5611636" y="5954426"/>
+            <a:chExt cx="1597360" cy="283293"/>
+          </a:xfrm>
+        </p:grpSpPr>
+        <p:pic>
+          <p:nvPicPr>
+            <p:cNvPr id="12" name="Picture 11" descr="Icon&#10;&#10;Description automatically generated">
+              <a:extLst>
+                <a:ext uri="{FF2B5EF4-FFF2-40B4-BE49-F238E27FC236}">
+                  <a16:creationId xmlns:a16="http://schemas.microsoft.com/office/drawing/2014/main" id="{134360E5-8E58-C263-A4ED-A628157D19A3}"/>
+                </a:ext>
+              </a:extLst>
+            </p:cNvPr>
+            <p:cNvPicPr>
+              <a:picLocks noChangeAspect="1"/>
+            </p:cNvPicPr>
+            <p:nvPr/>
+          </p:nvPicPr>
+          <p:blipFill>
+            <a:blip r:embed="rId2" cstate="print">
+              <a:extLst>
+                <a:ext uri="{28A0092B-C50C-407E-A947-70E740481C1C}">
+                  <a14:useLocalDpi xmlns:a14="http://schemas.microsoft.com/office/drawing/2010/main" val="0"/>
+                </a:ext>
+              </a:extLst>
+            </a:blip>
+            <a:stretch>
+              <a:fillRect/>
+            </a:stretch>
+          </p:blipFill>
+          <p:spPr>
+            <a:xfrm flipH="1">
+              <a:off x="5611636" y="5973306"/>
+              <a:ext cx="495775" cy="264413"/>
+            </a:xfrm>
+            <a:prstGeom prst="rect">
+              <a:avLst/>
+            </a:prstGeom>
+          </p:spPr>
+        </p:pic>
+        <p:sp>
+          <p:nvSpPr>
+            <p:cNvPr id="13" name="Retângulo 5">
+              <a:extLst>
+                <a:ext uri="{FF2B5EF4-FFF2-40B4-BE49-F238E27FC236}">
+                  <a16:creationId xmlns:a16="http://schemas.microsoft.com/office/drawing/2014/main" id="{7C2A4662-B4EA-9202-0BB2-745D633D2E87}"/>
+                </a:ext>
+              </a:extLst>
+            </p:cNvPr>
+            <p:cNvSpPr/>
+            <p:nvPr/>
+          </p:nvSpPr>
+          <p:spPr>
+            <a:xfrm>
+              <a:off x="6107411" y="5954426"/>
+              <a:ext cx="1101585" cy="276999"/>
+            </a:xfrm>
+            <a:prstGeom prst="rect">
+              <a:avLst/>
+            </a:prstGeom>
+          </p:spPr>
+          <p:txBody>
+            <a:bodyPr wrap="none">
+              <a:spAutoFit/>
+            </a:bodyPr>
+            <a:lstStyle/>
+            <a:p>
+              <a:pPr marL="0" marR="0" lvl="0" indent="0" defTabSz="914369" eaLnBrk="1" fontAlgn="auto" latinLnBrk="0" hangingPunct="1">
+                <a:lnSpc>
+                  <a:spcPct val="100000"/>
+                </a:lnSpc>
+                <a:spcBef>
+                  <a:spcPts val="0"/>
+                </a:spcBef>
+                <a:spcAft>
+                  <a:spcPts val="0"/>
+                </a:spcAft>
+                <a:buClrTx/>
+                <a:buSzTx/>
+                <a:buFontTx/>
+                <a:buNone/>
+                <a:tabLst/>
+                <a:defRPr/>
+              </a:pPr>
+              <a:r>
+                <a:rPr kumimoji="0" lang="en-US" sz="1200" b="0" i="0" u="none" strike="noStrike" kern="0" cap="none" spc="0" normalizeH="0" baseline="0" noProof="0" dirty="0">
+                  <a:ln>
+                    <a:noFill/>
+                  </a:ln>
+                  <a:solidFill>
+                    <a:prstClr val="black"/>
+                  </a:solidFill>
+                  <a:effectLst/>
+                  <a:uLnTx/>
+                  <a:uFillTx/>
+                  <a:hlinkClick r:id="rId15" action="ppaction://hlinkpres?slideindex=1&amp;slidetitle="/>
+                </a:rPr>
+                <a:t>authentication</a:t>
+              </a:r>
+              <a:endParaRPr kumimoji="0" lang="en-US" sz="1200" b="0" i="0" u="none" strike="noStrike" kern="0" cap="none" spc="0" normalizeH="0" baseline="0" noProof="0" dirty="0">
+                <a:ln>
+                  <a:noFill/>
+                </a:ln>
+                <a:solidFill>
+                  <a:prstClr val="black"/>
+                </a:solidFill>
+                <a:effectLst/>
+                <a:uLnTx/>
+                <a:uFillTx/>
+              </a:endParaRPr>
+            </a:p>
+          </p:txBody>
+        </p:sp>
+      </p:grpSp>
+      <p:grpSp>
+        <p:nvGrpSpPr>
+          <p:cNvPr id="32" name="Group 31">
+            <a:extLst>
+              <a:ext uri="{FF2B5EF4-FFF2-40B4-BE49-F238E27FC236}">
+                <a16:creationId xmlns:a16="http://schemas.microsoft.com/office/drawing/2014/main" id="{16A9D521-AEA9-DBBC-D26F-A7E51A36843A}"/>
+              </a:ext>
+            </a:extLst>
+          </p:cNvPr>
+          <p:cNvGrpSpPr/>
+          <p:nvPr/>
+        </p:nvGrpSpPr>
+        <p:grpSpPr>
+          <a:xfrm>
+            <a:off x="207823" y="3114629"/>
+            <a:ext cx="1057146" cy="283293"/>
+            <a:chOff x="5611636" y="5954426"/>
+            <a:chExt cx="1057147" cy="283293"/>
+          </a:xfrm>
+        </p:grpSpPr>
+        <p:pic>
+          <p:nvPicPr>
+            <p:cNvPr id="33" name="Picture 32" descr="Icon&#10;&#10;Description automatically generated">
+              <a:extLst>
+                <a:ext uri="{FF2B5EF4-FFF2-40B4-BE49-F238E27FC236}">
+                  <a16:creationId xmlns:a16="http://schemas.microsoft.com/office/drawing/2014/main" id="{7CF1CCC6-642E-95E5-86F5-B877FF178D6E}"/>
+                </a:ext>
+              </a:extLst>
+            </p:cNvPr>
+            <p:cNvPicPr>
+              <a:picLocks noChangeAspect="1"/>
+            </p:cNvPicPr>
+            <p:nvPr/>
+          </p:nvPicPr>
+          <p:blipFill>
+            <a:blip r:embed="rId2" cstate="print">
+              <a:extLst>
+                <a:ext uri="{28A0092B-C50C-407E-A947-70E740481C1C}">
+                  <a14:useLocalDpi xmlns:a14="http://schemas.microsoft.com/office/drawing/2010/main" val="0"/>
+                </a:ext>
+              </a:extLst>
+            </a:blip>
+            <a:stretch>
+              <a:fillRect/>
+            </a:stretch>
+          </p:blipFill>
+          <p:spPr>
+            <a:xfrm flipH="1">
+              <a:off x="5611636" y="5973306"/>
+              <a:ext cx="495775" cy="264413"/>
+            </a:xfrm>
+            <a:prstGeom prst="rect">
+              <a:avLst/>
+            </a:prstGeom>
+          </p:spPr>
+        </p:pic>
+        <p:sp>
+          <p:nvSpPr>
+            <p:cNvPr id="34" name="Retângulo 5">
+              <a:extLst>
+                <a:ext uri="{FF2B5EF4-FFF2-40B4-BE49-F238E27FC236}">
+                  <a16:creationId xmlns:a16="http://schemas.microsoft.com/office/drawing/2014/main" id="{EF8312E9-D70E-C17D-4A2D-6BDB07900DD5}"/>
+                </a:ext>
+              </a:extLst>
+            </p:cNvPr>
+            <p:cNvSpPr/>
+            <p:nvPr/>
+          </p:nvSpPr>
+          <p:spPr>
+            <a:xfrm>
+              <a:off x="6107411" y="5954426"/>
+              <a:ext cx="561372" cy="276999"/>
+            </a:xfrm>
+            <a:prstGeom prst="rect">
+              <a:avLst/>
+            </a:prstGeom>
+          </p:spPr>
+          <p:txBody>
+            <a:bodyPr wrap="none">
+              <a:spAutoFit/>
+            </a:bodyPr>
+            <a:lstStyle/>
+            <a:p>
+              <a:pPr marL="0" marR="0" lvl="0" indent="0" defTabSz="914369" eaLnBrk="1" fontAlgn="auto" latinLnBrk="0" hangingPunct="1">
+                <a:lnSpc>
+                  <a:spcPct val="100000"/>
+                </a:lnSpc>
+                <a:spcBef>
+                  <a:spcPts val="0"/>
+                </a:spcBef>
+                <a:spcAft>
+                  <a:spcPts val="0"/>
+                </a:spcAft>
+                <a:buClrTx/>
+                <a:buSzTx/>
+                <a:buFontTx/>
+                <a:buNone/>
+                <a:tabLst/>
+                <a:defRPr/>
+              </a:pPr>
+              <a:r>
+                <a:rPr kumimoji="0" lang="en-US" sz="1200" b="0" i="0" u="none" strike="noStrike" kern="0" cap="none" spc="0" normalizeH="0" baseline="0" noProof="0" dirty="0">
+                  <a:ln>
+                    <a:noFill/>
+                  </a:ln>
+                  <a:solidFill>
+                    <a:prstClr val="black"/>
+                  </a:solidFill>
+                  <a:effectLst/>
+                  <a:uLnTx/>
+                  <a:uFillTx/>
+                  <a:hlinkClick r:id="rId16" action="ppaction://hlinkpres?slideindex=1&amp;slidetitle="/>
+                </a:rPr>
+                <a:t>celery</a:t>
+              </a:r>
+              <a:endParaRPr kumimoji="0" lang="en-US" sz="1200" b="0" i="0" u="none" strike="noStrike" kern="0" cap="none" spc="0" normalizeH="0" baseline="0" noProof="0" dirty="0">
+                <a:ln>
+                  <a:noFill/>
+                </a:ln>
+                <a:solidFill>
+                  <a:prstClr val="black"/>
+                </a:solidFill>
+                <a:effectLst/>
+                <a:uLnTx/>
+                <a:uFillTx/>
+              </a:endParaRPr>
+            </a:p>
+          </p:txBody>
+        </p:sp>
+      </p:grpSp>
+      <p:grpSp>
+        <p:nvGrpSpPr>
+          <p:cNvPr id="35" name="Group 34">
+            <a:extLst>
+              <a:ext uri="{FF2B5EF4-FFF2-40B4-BE49-F238E27FC236}">
+                <a16:creationId xmlns:a16="http://schemas.microsoft.com/office/drawing/2014/main" id="{BCDFA3DB-058E-EC6A-614E-01D98A1AB062}"/>
+              </a:ext>
+            </a:extLst>
+          </p:cNvPr>
+          <p:cNvGrpSpPr/>
+          <p:nvPr/>
+        </p:nvGrpSpPr>
+        <p:grpSpPr>
+          <a:xfrm>
+            <a:off x="207823" y="3489307"/>
+            <a:ext cx="1074780" cy="283293"/>
+            <a:chOff x="5611636" y="5954426"/>
+            <a:chExt cx="1074781" cy="283293"/>
+          </a:xfrm>
+        </p:grpSpPr>
+        <p:pic>
+          <p:nvPicPr>
+            <p:cNvPr id="36" name="Picture 35" descr="Icon&#10;&#10;Description automatically generated">
+              <a:extLst>
+                <a:ext uri="{FF2B5EF4-FFF2-40B4-BE49-F238E27FC236}">
+                  <a16:creationId xmlns:a16="http://schemas.microsoft.com/office/drawing/2014/main" id="{26D70189-6E47-D4DC-E850-DB25F5A81505}"/>
+                </a:ext>
+              </a:extLst>
+            </p:cNvPr>
+            <p:cNvPicPr>
+              <a:picLocks noChangeAspect="1"/>
+            </p:cNvPicPr>
+            <p:nvPr/>
+          </p:nvPicPr>
+          <p:blipFill>
+            <a:blip r:embed="rId2" cstate="print">
+              <a:extLst>
+                <a:ext uri="{28A0092B-C50C-407E-A947-70E740481C1C}">
+                  <a14:useLocalDpi xmlns:a14="http://schemas.microsoft.com/office/drawing/2010/main" val="0"/>
+                </a:ext>
+              </a:extLst>
+            </a:blip>
+            <a:stretch>
+              <a:fillRect/>
+            </a:stretch>
+          </p:blipFill>
+          <p:spPr>
+            <a:xfrm flipH="1">
+              <a:off x="5611636" y="5973306"/>
+              <a:ext cx="495775" cy="264413"/>
+            </a:xfrm>
+            <a:prstGeom prst="rect">
+              <a:avLst/>
+            </a:prstGeom>
+          </p:spPr>
+        </p:pic>
+        <p:sp>
+          <p:nvSpPr>
+            <p:cNvPr id="39" name="Retângulo 5">
+              <a:extLst>
+                <a:ext uri="{FF2B5EF4-FFF2-40B4-BE49-F238E27FC236}">
+                  <a16:creationId xmlns:a16="http://schemas.microsoft.com/office/drawing/2014/main" id="{A55E4DF1-88CB-56AD-824D-74AEE6A32062}"/>
+                </a:ext>
+              </a:extLst>
+            </p:cNvPr>
+            <p:cNvSpPr/>
+            <p:nvPr/>
+          </p:nvSpPr>
+          <p:spPr>
+            <a:xfrm>
+              <a:off x="6107411" y="5954426"/>
+              <a:ext cx="579006" cy="276999"/>
+            </a:xfrm>
+            <a:prstGeom prst="rect">
+              <a:avLst/>
+            </a:prstGeom>
+          </p:spPr>
+          <p:txBody>
+            <a:bodyPr wrap="none">
+              <a:spAutoFit/>
+            </a:bodyPr>
+            <a:lstStyle/>
+            <a:p>
+              <a:pPr marL="0" marR="0" lvl="0" indent="0" defTabSz="914369" eaLnBrk="1" fontAlgn="auto" latinLnBrk="0" hangingPunct="1">
+                <a:lnSpc>
+                  <a:spcPct val="100000"/>
+                </a:lnSpc>
+                <a:spcBef>
+                  <a:spcPts val="0"/>
+                </a:spcBef>
+                <a:spcAft>
+                  <a:spcPts val="0"/>
+                </a:spcAft>
+                <a:buClrTx/>
+                <a:buSzTx/>
+                <a:buFontTx/>
+                <a:buNone/>
+                <a:tabLst/>
+                <a:defRPr/>
+              </a:pPr>
+              <a:r>
+                <a:rPr kumimoji="0" lang="en-US" sz="1200" b="0" i="0" u="none" strike="noStrike" kern="0" cap="none" spc="0" normalizeH="0" baseline="0" noProof="0" dirty="0">
+                  <a:ln>
+                    <a:noFill/>
+                  </a:ln>
+                  <a:solidFill>
+                    <a:prstClr val="black"/>
+                  </a:solidFill>
+                  <a:effectLst/>
+                  <a:uLnTx/>
+                  <a:uFillTx/>
                   <a:hlinkClick r:id="rId17" action="ppaction://hlinkpres?slideindex=1&amp;slidetitle="/>
                 </a:rPr>
-                <a:t>git</a:t>
+                <a:t>cursor</a:t>
+              </a:r>
+              <a:endParaRPr kumimoji="0" lang="en-US" sz="1200" b="0" i="0" u="none" strike="noStrike" kern="0" cap="none" spc="0" normalizeH="0" baseline="0" noProof="0" dirty="0">
+                <a:ln>
+                  <a:noFill/>
+                </a:ln>
+                <a:solidFill>
+                  <a:prstClr val="black"/>
+                </a:solidFill>
+                <a:effectLst/>
+                <a:uLnTx/>
+                <a:uFillTx/>
+              </a:endParaRPr>
+            </a:p>
+          </p:txBody>
+        </p:sp>
+      </p:grpSp>
+      <p:grpSp>
+        <p:nvGrpSpPr>
+          <p:cNvPr id="40" name="Group 39">
+            <a:extLst>
+              <a:ext uri="{FF2B5EF4-FFF2-40B4-BE49-F238E27FC236}">
+                <a16:creationId xmlns:a16="http://schemas.microsoft.com/office/drawing/2014/main" id="{7A878A68-9B55-E2F4-FE7C-D0CA138A0A56}"/>
+              </a:ext>
+            </a:extLst>
+          </p:cNvPr>
+          <p:cNvGrpSpPr/>
+          <p:nvPr/>
+        </p:nvGrpSpPr>
+        <p:grpSpPr>
+          <a:xfrm>
+            <a:off x="207823" y="3863985"/>
+            <a:ext cx="1164548" cy="283293"/>
+            <a:chOff x="5611636" y="5954426"/>
+            <a:chExt cx="1164549" cy="283293"/>
+          </a:xfrm>
+        </p:grpSpPr>
+        <p:pic>
+          <p:nvPicPr>
+            <p:cNvPr id="41" name="Picture 40" descr="Icon&#10;&#10;Description automatically generated">
+              <a:extLst>
+                <a:ext uri="{FF2B5EF4-FFF2-40B4-BE49-F238E27FC236}">
+                  <a16:creationId xmlns:a16="http://schemas.microsoft.com/office/drawing/2014/main" id="{E19FAC78-9CC9-1C73-AEB0-65E394DB9A1F}"/>
+                </a:ext>
+              </a:extLst>
+            </p:cNvPr>
+            <p:cNvPicPr>
+              <a:picLocks noChangeAspect="1"/>
+            </p:cNvPicPr>
+            <p:nvPr/>
+          </p:nvPicPr>
+          <p:blipFill>
+            <a:blip r:embed="rId2" cstate="print">
+              <a:extLst>
+                <a:ext uri="{28A0092B-C50C-407E-A947-70E740481C1C}">
+                  <a14:useLocalDpi xmlns:a14="http://schemas.microsoft.com/office/drawing/2010/main" val="0"/>
+                </a:ext>
+              </a:extLst>
+            </a:blip>
+            <a:stretch>
+              <a:fillRect/>
+            </a:stretch>
+          </p:blipFill>
+          <p:spPr>
+            <a:xfrm flipH="1">
+              <a:off x="5611636" y="5973306"/>
+              <a:ext cx="495775" cy="264413"/>
+            </a:xfrm>
+            <a:prstGeom prst="rect">
+              <a:avLst/>
+            </a:prstGeom>
+          </p:spPr>
+        </p:pic>
+        <p:sp>
+          <p:nvSpPr>
+            <p:cNvPr id="42" name="Retângulo 5">
+              <a:extLst>
+                <a:ext uri="{FF2B5EF4-FFF2-40B4-BE49-F238E27FC236}">
+                  <a16:creationId xmlns:a16="http://schemas.microsoft.com/office/drawing/2014/main" id="{29BB4567-C772-1BD4-4072-4DD4CF69E35F}"/>
+                </a:ext>
+              </a:extLst>
+            </p:cNvPr>
+            <p:cNvSpPr/>
+            <p:nvPr/>
+          </p:nvSpPr>
+          <p:spPr>
+            <a:xfrm>
+              <a:off x="6107411" y="5954426"/>
+              <a:ext cx="668774" cy="276999"/>
+            </a:xfrm>
+            <a:prstGeom prst="rect">
+              <a:avLst/>
+            </a:prstGeom>
+          </p:spPr>
+          <p:txBody>
+            <a:bodyPr wrap="none">
+              <a:spAutoFit/>
+            </a:bodyPr>
+            <a:lstStyle/>
+            <a:p>
+              <a:pPr marL="0" marR="0" lvl="0" indent="0" defTabSz="914369" eaLnBrk="1" fontAlgn="auto" latinLnBrk="0" hangingPunct="1">
+                <a:lnSpc>
+                  <a:spcPct val="100000"/>
+                </a:lnSpc>
+                <a:spcBef>
+                  <a:spcPts val="0"/>
+                </a:spcBef>
+                <a:spcAft>
+                  <a:spcPts val="0"/>
+                </a:spcAft>
+                <a:buClrTx/>
+                <a:buSzTx/>
+                <a:buFontTx/>
+                <a:buNone/>
+                <a:tabLst/>
+                <a:defRPr/>
+              </a:pPr>
+              <a:r>
+                <a:rPr kumimoji="0" lang="en-US" sz="1200" b="0" i="0" u="none" strike="noStrike" kern="0" cap="none" spc="0" normalizeH="0" baseline="0" noProof="0" dirty="0">
+                  <a:ln>
+                    <a:noFill/>
+                  </a:ln>
+                  <a:solidFill>
+                    <a:prstClr val="black"/>
+                  </a:solidFill>
+                  <a:effectLst/>
+                  <a:uLnTx/>
+                  <a:uFillTx/>
+                  <a:hlinkClick r:id="rId18" action="ppaction://hlinkpres?slideindex=1&amp;slidetitle="/>
+                </a:rPr>
+                <a:t>dev ops</a:t>
               </a:r>
               <a:endParaRPr kumimoji="0" lang="en-US" sz="1200" b="0" i="0" u="none" strike="noStrike" kern="0" cap="none" spc="0" normalizeH="0" baseline="0" noProof="0" dirty="0">
                 <a:ln>

--- a/portfolio.pptx
+++ b/portfolio.pptx
@@ -203,7 +203,7 @@
           <a:p>
             <a:fld id="{013D7D23-95FE-4191-B08D-3CBB1E1CEEFE}" type="datetimeFigureOut">
               <a:rPr lang="pt-PT" smtClean="0"/>
-              <a:t>26/09/2024</a:t>
+              <a:t>21/03/2025</a:t>
             </a:fld>
             <a:endParaRPr lang="pt-PT" dirty="0"/>
           </a:p>
@@ -602,7 +602,7 @@
           <a:p>
             <a:fld id="{5C0ED97C-8255-4BAC-9D42-1F6A6651E287}" type="datetime1">
               <a:rPr lang="pt-PT" smtClean="0"/>
-              <a:t>26/09/2024</a:t>
+              <a:t>21/03/2025</a:t>
             </a:fld>
             <a:endParaRPr lang="pt-PT" dirty="0"/>
           </a:p>
@@ -772,7 +772,7 @@
           <a:p>
             <a:fld id="{4FCC8996-E467-4FE1-B165-4002860D0AC7}" type="datetime1">
               <a:rPr lang="pt-PT" smtClean="0"/>
-              <a:t>26/09/2024</a:t>
+              <a:t>21/03/2025</a:t>
             </a:fld>
             <a:endParaRPr lang="pt-PT" dirty="0"/>
           </a:p>
@@ -952,7 +952,7 @@
           <a:p>
             <a:fld id="{C104532E-E792-4BF5-B399-9E5E16070233}" type="datetime1">
               <a:rPr lang="pt-PT" smtClean="0"/>
-              <a:t>26/09/2024</a:t>
+              <a:t>21/03/2025</a:t>
             </a:fld>
             <a:endParaRPr lang="pt-PT" dirty="0"/>
           </a:p>
@@ -1162,7 +1162,7 @@
           <a:p>
             <a:fld id="{FF4AF87E-A15D-4480-B791-15D75F8AF848}" type="datetimeFigureOut">
               <a:rPr lang="pt-PT" smtClean="0"/>
-              <a:t>26/09/2024</a:t>
+              <a:t>21/03/2025</a:t>
             </a:fld>
             <a:endParaRPr lang="pt-PT"/>
           </a:p>
@@ -1362,7 +1362,7 @@
           <a:p>
             <a:fld id="{FF4AF87E-A15D-4480-B791-15D75F8AF848}" type="datetimeFigureOut">
               <a:rPr lang="pt-PT" smtClean="0"/>
-              <a:t>26/09/2024</a:t>
+              <a:t>21/03/2025</a:t>
             </a:fld>
             <a:endParaRPr lang="pt-PT"/>
           </a:p>
@@ -1638,7 +1638,7 @@
           <a:p>
             <a:fld id="{FF4AF87E-A15D-4480-B791-15D75F8AF848}" type="datetimeFigureOut">
               <a:rPr lang="pt-PT" smtClean="0"/>
-              <a:t>26/09/2024</a:t>
+              <a:t>21/03/2025</a:t>
             </a:fld>
             <a:endParaRPr lang="pt-PT"/>
           </a:p>
@@ -1906,7 +1906,7 @@
           <a:p>
             <a:fld id="{FF4AF87E-A15D-4480-B791-15D75F8AF848}" type="datetimeFigureOut">
               <a:rPr lang="pt-PT" smtClean="0"/>
-              <a:t>26/09/2024</a:t>
+              <a:t>21/03/2025</a:t>
             </a:fld>
             <a:endParaRPr lang="pt-PT"/>
           </a:p>
@@ -2321,7 +2321,7 @@
           <a:p>
             <a:fld id="{FF4AF87E-A15D-4480-B791-15D75F8AF848}" type="datetimeFigureOut">
               <a:rPr lang="pt-PT" smtClean="0"/>
-              <a:t>26/09/2024</a:t>
+              <a:t>21/03/2025</a:t>
             </a:fld>
             <a:endParaRPr lang="pt-PT"/>
           </a:p>
@@ -2463,7 +2463,7 @@
           <a:p>
             <a:fld id="{FF4AF87E-A15D-4480-B791-15D75F8AF848}" type="datetimeFigureOut">
               <a:rPr lang="pt-PT" smtClean="0"/>
-              <a:t>26/09/2024</a:t>
+              <a:t>21/03/2025</a:t>
             </a:fld>
             <a:endParaRPr lang="pt-PT"/>
           </a:p>
@@ -2576,7 +2576,7 @@
           <a:p>
             <a:fld id="{FF4AF87E-A15D-4480-B791-15D75F8AF848}" type="datetimeFigureOut">
               <a:rPr lang="pt-PT" smtClean="0"/>
-              <a:t>26/09/2024</a:t>
+              <a:t>21/03/2025</a:t>
             </a:fld>
             <a:endParaRPr lang="pt-PT"/>
           </a:p>
@@ -2889,7 +2889,7 @@
           <a:p>
             <a:fld id="{FF4AF87E-A15D-4480-B791-15D75F8AF848}" type="datetimeFigureOut">
               <a:rPr lang="pt-PT" smtClean="0"/>
-              <a:t>26/09/2024</a:t>
+              <a:t>21/03/2025</a:t>
             </a:fld>
             <a:endParaRPr lang="pt-PT"/>
           </a:p>
@@ -3071,7 +3071,7 @@
           <a:p>
             <a:fld id="{5FC36660-F7C2-4C37-BD61-E2E985519A54}" type="datetime1">
               <a:rPr lang="pt-PT" smtClean="0"/>
-              <a:t>26/09/2024</a:t>
+              <a:t>21/03/2025</a:t>
             </a:fld>
             <a:endParaRPr lang="pt-PT" dirty="0"/>
           </a:p>
@@ -3348,7 +3348,7 @@
           <a:p>
             <a:fld id="{FF4AF87E-A15D-4480-B791-15D75F8AF848}" type="datetimeFigureOut">
               <a:rPr lang="pt-PT" smtClean="0"/>
-              <a:t>26/09/2024</a:t>
+              <a:t>21/03/2025</a:t>
             </a:fld>
             <a:endParaRPr lang="pt-PT"/>
           </a:p>
@@ -3548,7 +3548,7 @@
           <a:p>
             <a:fld id="{FF4AF87E-A15D-4480-B791-15D75F8AF848}" type="datetimeFigureOut">
               <a:rPr lang="pt-PT" smtClean="0"/>
-              <a:t>26/09/2024</a:t>
+              <a:t>21/03/2025</a:t>
             </a:fld>
             <a:endParaRPr lang="pt-PT"/>
           </a:p>
@@ -3758,7 +3758,7 @@
           <a:p>
             <a:fld id="{FF4AF87E-A15D-4480-B791-15D75F8AF848}" type="datetimeFigureOut">
               <a:rPr lang="pt-PT" smtClean="0"/>
-              <a:t>26/09/2024</a:t>
+              <a:t>21/03/2025</a:t>
             </a:fld>
             <a:endParaRPr lang="pt-PT"/>
           </a:p>
@@ -4016,7 +4016,7 @@
           <a:p>
             <a:fld id="{EC1C553A-1723-4842-A3DB-E76BD21F5C6D}" type="datetime1">
               <a:rPr lang="pt-PT" smtClean="0"/>
-              <a:t>26/09/2024</a:t>
+              <a:t>21/03/2025</a:t>
             </a:fld>
             <a:endParaRPr lang="pt-PT" dirty="0"/>
           </a:p>
@@ -4248,7 +4248,7 @@
           <a:p>
             <a:fld id="{CE9B351E-3840-4886-B007-BC84D7C14686}" type="datetime1">
               <a:rPr lang="pt-PT" smtClean="0"/>
-              <a:t>26/09/2024</a:t>
+              <a:t>21/03/2025</a:t>
             </a:fld>
             <a:endParaRPr lang="pt-PT" dirty="0"/>
           </a:p>
@@ -4615,7 +4615,7 @@
           <a:p>
             <a:fld id="{C8686839-F4ED-436E-9AC9-AC7A0A0CD179}" type="datetime1">
               <a:rPr lang="pt-PT" smtClean="0"/>
-              <a:t>26/09/2024</a:t>
+              <a:t>21/03/2025</a:t>
             </a:fld>
             <a:endParaRPr lang="pt-PT" dirty="0"/>
           </a:p>
@@ -4733,7 +4733,7 @@
           <a:p>
             <a:fld id="{2AB82247-1A7C-4F98-8F33-5E4D07EFBF12}" type="datetime1">
               <a:rPr lang="pt-PT" smtClean="0"/>
-              <a:t>26/09/2024</a:t>
+              <a:t>21/03/2025</a:t>
             </a:fld>
             <a:endParaRPr lang="pt-PT" dirty="0"/>
           </a:p>
@@ -4828,7 +4828,7 @@
           <a:p>
             <a:fld id="{AFE320DE-3391-4A27-9653-F2BD505B9A08}" type="datetime1">
               <a:rPr lang="pt-PT" smtClean="0"/>
-              <a:t>26/09/2024</a:t>
+              <a:t>21/03/2025</a:t>
             </a:fld>
             <a:endParaRPr lang="pt-PT" dirty="0"/>
           </a:p>
@@ -5105,7 +5105,7 @@
           <a:p>
             <a:fld id="{E69250C8-88B2-4209-BD56-05813AC521DC}" type="datetime1">
               <a:rPr lang="pt-PT" smtClean="0"/>
-              <a:t>26/09/2024</a:t>
+              <a:t>21/03/2025</a:t>
             </a:fld>
             <a:endParaRPr lang="pt-PT" dirty="0"/>
           </a:p>
@@ -5358,7 +5358,7 @@
           <a:p>
             <a:fld id="{0B847055-2F12-42A4-9432-334276564B1D}" type="datetime1">
               <a:rPr lang="pt-PT" smtClean="0"/>
-              <a:t>26/09/2024</a:t>
+              <a:t>21/03/2025</a:t>
             </a:fld>
             <a:endParaRPr lang="pt-PT" dirty="0"/>
           </a:p>
@@ -5571,7 +5571,7 @@
           <a:p>
             <a:fld id="{B0883CD8-EC5B-4369-8F97-BE1E84F10887}" type="datetime1">
               <a:rPr lang="pt-PT" smtClean="0"/>
-              <a:t>26/09/2024</a:t>
+              <a:t>21/03/2025</a:t>
             </a:fld>
             <a:endParaRPr lang="pt-PT" dirty="0"/>
           </a:p>
@@ -6130,7 +6130,7 @@
           <a:p>
             <a:fld id="{FF4AF87E-A15D-4480-B791-15D75F8AF848}" type="datetimeFigureOut">
               <a:rPr lang="pt-PT" smtClean="0"/>
-              <a:t>26/09/2024</a:t>
+              <a:t>21/03/2025</a:t>
             </a:fld>
             <a:endParaRPr lang="pt-PT"/>
           </a:p>
@@ -7080,7 +7080,7 @@
         </p:nvGrpSpPr>
         <p:grpSpPr>
           <a:xfrm>
-            <a:off x="207823" y="6112057"/>
+            <a:off x="207823" y="6355895"/>
             <a:ext cx="1122869" cy="283293"/>
             <a:chOff x="5611636" y="5954426"/>
             <a:chExt cx="1122870" cy="283293"/>
@@ -7210,7 +7210,7 @@
         </p:nvGrpSpPr>
         <p:grpSpPr>
           <a:xfrm>
-            <a:off x="207823" y="5362697"/>
+            <a:off x="207823" y="5606535"/>
             <a:ext cx="1118061" cy="283293"/>
             <a:chOff x="5611636" y="5954426"/>
             <a:chExt cx="1118062" cy="283293"/>
@@ -7340,7 +7340,7 @@
         </p:nvGrpSpPr>
         <p:grpSpPr>
           <a:xfrm>
-            <a:off x="207823" y="4988019"/>
+            <a:off x="207823" y="5231857"/>
             <a:ext cx="1456294" cy="283293"/>
             <a:chOff x="5611636" y="5954426"/>
             <a:chExt cx="1456295" cy="283293"/>
@@ -7569,7 +7569,7 @@
                   <a:uFillTx/>
                   <a:hlinkClick r:id="rId6" action="ppaction://hlinkpres?slideindex=1&amp;slidetitle="/>
                 </a:rPr>
-                <a:t>docker</a:t>
+                <a:t>events</a:t>
               </a:r>
               <a:endParaRPr kumimoji="0" lang="en-US" sz="1200" b="0" i="0" u="none" strike="noStrike" kern="0" cap="none" spc="0" normalizeH="0" baseline="0" noProof="0" dirty="0">
                 <a:ln>
@@ -7852,7 +7852,7 @@
         </p:nvGrpSpPr>
         <p:grpSpPr>
           <a:xfrm>
-            <a:off x="207823" y="4613341"/>
+            <a:off x="207823" y="4908759"/>
             <a:ext cx="839138" cy="283293"/>
             <a:chOff x="5611636" y="5954426"/>
             <a:chExt cx="839139" cy="283293"/>
@@ -7982,7 +7982,7 @@
         </p:nvGrpSpPr>
         <p:grpSpPr>
           <a:xfrm>
-            <a:off x="207823" y="5737375"/>
+            <a:off x="207823" y="5981213"/>
             <a:ext cx="1305612" cy="283293"/>
             <a:chOff x="5611636" y="5954426"/>
             <a:chExt cx="1305613" cy="283293"/>
@@ -8112,7 +8112,7 @@
         </p:nvGrpSpPr>
         <p:grpSpPr>
           <a:xfrm>
-            <a:off x="207823" y="2365273"/>
+            <a:off x="207823" y="1947934"/>
             <a:ext cx="1443470" cy="283293"/>
             <a:chOff x="5611636" y="5954426"/>
             <a:chExt cx="1443471" cy="283293"/>
@@ -8242,7 +8242,7 @@
         </p:nvGrpSpPr>
         <p:grpSpPr>
           <a:xfrm>
-            <a:off x="207823" y="1990595"/>
+            <a:off x="207823" y="1573256"/>
             <a:ext cx="789444" cy="283293"/>
             <a:chOff x="5611636" y="5954426"/>
             <a:chExt cx="789445" cy="283293"/>
@@ -8372,7 +8372,7 @@
         </p:nvGrpSpPr>
         <p:grpSpPr>
           <a:xfrm>
-            <a:off x="207823" y="2739951"/>
+            <a:off x="207823" y="2322612"/>
             <a:ext cx="1597359" cy="283293"/>
             <a:chOff x="5611636" y="5954426"/>
             <a:chExt cx="1597360" cy="283293"/>
@@ -8502,7 +8502,7 @@
         </p:nvGrpSpPr>
         <p:grpSpPr>
           <a:xfrm>
-            <a:off x="207823" y="3114629"/>
+            <a:off x="207823" y="2697290"/>
             <a:ext cx="1057146" cy="283293"/>
             <a:chOff x="5611636" y="5954426"/>
             <a:chExt cx="1057147" cy="283293"/>
@@ -8632,7 +8632,7 @@
         </p:nvGrpSpPr>
         <p:grpSpPr>
           <a:xfrm>
-            <a:off x="207823" y="3489307"/>
+            <a:off x="207823" y="3071968"/>
             <a:ext cx="1074780" cy="283293"/>
             <a:chOff x="5611636" y="5954426"/>
             <a:chExt cx="1074781" cy="283293"/>
@@ -8762,7 +8762,7 @@
         </p:nvGrpSpPr>
         <p:grpSpPr>
           <a:xfrm>
-            <a:off x="207823" y="3863985"/>
+            <a:off x="207823" y="3446646"/>
             <a:ext cx="1164548" cy="283293"/>
             <a:chOff x="5611636" y="5954426"/>
             <a:chExt cx="1164549" cy="283293"/>
@@ -8862,6 +8862,266 @@
                   <a:hlinkClick r:id="rId18" action="ppaction://hlinkpres?slideindex=1&amp;slidetitle="/>
                 </a:rPr>
                 <a:t>dev ops</a:t>
+              </a:r>
+              <a:endParaRPr kumimoji="0" lang="en-US" sz="1200" b="0" i="0" u="none" strike="noStrike" kern="0" cap="none" spc="0" normalizeH="0" baseline="0" noProof="0" dirty="0">
+                <a:ln>
+                  <a:noFill/>
+                </a:ln>
+                <a:solidFill>
+                  <a:prstClr val="black"/>
+                </a:solidFill>
+                <a:effectLst/>
+                <a:uLnTx/>
+                <a:uFillTx/>
+              </a:endParaRPr>
+            </a:p>
+          </p:txBody>
+        </p:sp>
+      </p:grpSp>
+      <p:grpSp>
+        <p:nvGrpSpPr>
+          <p:cNvPr id="43" name="Group 42">
+            <a:extLst>
+              <a:ext uri="{FF2B5EF4-FFF2-40B4-BE49-F238E27FC236}">
+                <a16:creationId xmlns:a16="http://schemas.microsoft.com/office/drawing/2014/main" id="{A1499695-0D84-B070-A614-E5CD02E82D56}"/>
+              </a:ext>
+            </a:extLst>
+          </p:cNvPr>
+          <p:cNvGrpSpPr/>
+          <p:nvPr/>
+        </p:nvGrpSpPr>
+        <p:grpSpPr>
+          <a:xfrm>
+            <a:off x="219091" y="4569685"/>
+            <a:ext cx="1153327" cy="283293"/>
+            <a:chOff x="5611636" y="5954426"/>
+            <a:chExt cx="1153328" cy="283293"/>
+          </a:xfrm>
+        </p:grpSpPr>
+        <p:pic>
+          <p:nvPicPr>
+            <p:cNvPr id="44" name="Picture 43" descr="Icon&#10;&#10;Description automatically generated">
+              <a:extLst>
+                <a:ext uri="{FF2B5EF4-FFF2-40B4-BE49-F238E27FC236}">
+                  <a16:creationId xmlns:a16="http://schemas.microsoft.com/office/drawing/2014/main" id="{26E95BB8-1474-9068-89FC-AF9A9AC2133A}"/>
+                </a:ext>
+              </a:extLst>
+            </p:cNvPr>
+            <p:cNvPicPr>
+              <a:picLocks noChangeAspect="1"/>
+            </p:cNvPicPr>
+            <p:nvPr/>
+          </p:nvPicPr>
+          <p:blipFill>
+            <a:blip r:embed="rId2" cstate="print">
+              <a:extLst>
+                <a:ext uri="{28A0092B-C50C-407E-A947-70E740481C1C}">
+                  <a14:useLocalDpi xmlns:a14="http://schemas.microsoft.com/office/drawing/2010/main" val="0"/>
+                </a:ext>
+              </a:extLst>
+            </a:blip>
+            <a:stretch>
+              <a:fillRect/>
+            </a:stretch>
+          </p:blipFill>
+          <p:spPr>
+            <a:xfrm flipH="1">
+              <a:off x="5611636" y="5973306"/>
+              <a:ext cx="495775" cy="264413"/>
+            </a:xfrm>
+            <a:prstGeom prst="rect">
+              <a:avLst/>
+            </a:prstGeom>
+          </p:spPr>
+        </p:pic>
+        <p:sp>
+          <p:nvSpPr>
+            <p:cNvPr id="48" name="Retângulo 5">
+              <a:extLst>
+                <a:ext uri="{FF2B5EF4-FFF2-40B4-BE49-F238E27FC236}">
+                  <a16:creationId xmlns:a16="http://schemas.microsoft.com/office/drawing/2014/main" id="{C8B648FC-EAF4-5BA0-3450-F6C88B6FAF38}"/>
+                </a:ext>
+              </a:extLst>
+            </p:cNvPr>
+            <p:cNvSpPr/>
+            <p:nvPr/>
+          </p:nvSpPr>
+          <p:spPr>
+            <a:xfrm>
+              <a:off x="6107411" y="5954426"/>
+              <a:ext cx="657553" cy="276999"/>
+            </a:xfrm>
+            <a:prstGeom prst="rect">
+              <a:avLst/>
+            </a:prstGeom>
+          </p:spPr>
+          <p:txBody>
+            <a:bodyPr wrap="none">
+              <a:spAutoFit/>
+            </a:bodyPr>
+            <a:lstStyle/>
+            <a:p>
+              <a:pPr marL="0" marR="0" lvl="0" indent="0" defTabSz="914369" eaLnBrk="1" fontAlgn="auto" latinLnBrk="0" hangingPunct="1">
+                <a:lnSpc>
+                  <a:spcPct val="100000"/>
+                </a:lnSpc>
+                <a:spcBef>
+                  <a:spcPts val="0"/>
+                </a:spcBef>
+                <a:spcAft>
+                  <a:spcPts val="0"/>
+                </a:spcAft>
+                <a:buClrTx/>
+                <a:buSzTx/>
+                <a:buFontTx/>
+                <a:buNone/>
+                <a:tabLst/>
+                <a:defRPr/>
+              </a:pPr>
+              <a:r>
+                <a:rPr kumimoji="0" lang="en-US" sz="1200" b="0" i="0" u="none" strike="noStrike" kern="0" cap="none" spc="0" normalizeH="0" baseline="0" noProof="0" dirty="0" err="1">
+                  <a:ln>
+                    <a:noFill/>
+                  </a:ln>
+                  <a:solidFill>
+                    <a:prstClr val="black"/>
+                  </a:solidFill>
+                  <a:effectLst/>
+                  <a:uLnTx/>
+                  <a:uFillTx/>
+                  <a:hlinkClick r:id="rId19" action="ppaction://hlinkpres?slideindex=1&amp;slidetitle="/>
+                </a:rPr>
+                <a:t>grafana</a:t>
+              </a:r>
+              <a:endParaRPr kumimoji="0" lang="en-US" sz="1200" b="0" i="0" u="none" strike="noStrike" kern="0" cap="none" spc="0" normalizeH="0" baseline="0" noProof="0" dirty="0">
+                <a:ln>
+                  <a:noFill/>
+                </a:ln>
+                <a:solidFill>
+                  <a:prstClr val="black"/>
+                </a:solidFill>
+                <a:effectLst/>
+                <a:uLnTx/>
+                <a:uFillTx/>
+              </a:endParaRPr>
+            </a:p>
+          </p:txBody>
+        </p:sp>
+      </p:grpSp>
+      <p:grpSp>
+        <p:nvGrpSpPr>
+          <p:cNvPr id="49" name="Group 48">
+            <a:extLst>
+              <a:ext uri="{FF2B5EF4-FFF2-40B4-BE49-F238E27FC236}">
+                <a16:creationId xmlns:a16="http://schemas.microsoft.com/office/drawing/2014/main" id="{E788EB83-41BC-A3EA-FE08-D85337F63B3F}"/>
+              </a:ext>
+            </a:extLst>
+          </p:cNvPr>
+          <p:cNvGrpSpPr/>
+          <p:nvPr/>
+        </p:nvGrpSpPr>
+        <p:grpSpPr>
+          <a:xfrm>
+            <a:off x="207823" y="3796984"/>
+            <a:ext cx="1108442" cy="283293"/>
+            <a:chOff x="5611636" y="5954426"/>
+            <a:chExt cx="1108443" cy="283293"/>
+          </a:xfrm>
+        </p:grpSpPr>
+        <p:pic>
+          <p:nvPicPr>
+            <p:cNvPr id="50" name="Picture 49" descr="Icon&#10;&#10;Description automatically generated">
+              <a:extLst>
+                <a:ext uri="{FF2B5EF4-FFF2-40B4-BE49-F238E27FC236}">
+                  <a16:creationId xmlns:a16="http://schemas.microsoft.com/office/drawing/2014/main" id="{9DDF3B99-6C76-0231-C665-96044CAEB0E6}"/>
+                </a:ext>
+              </a:extLst>
+            </p:cNvPr>
+            <p:cNvPicPr>
+              <a:picLocks noChangeAspect="1"/>
+            </p:cNvPicPr>
+            <p:nvPr/>
+          </p:nvPicPr>
+          <p:blipFill>
+            <a:blip r:embed="rId2" cstate="print">
+              <a:extLst>
+                <a:ext uri="{28A0092B-C50C-407E-A947-70E740481C1C}">
+                  <a14:useLocalDpi xmlns:a14="http://schemas.microsoft.com/office/drawing/2010/main" val="0"/>
+                </a:ext>
+              </a:extLst>
+            </a:blip>
+            <a:stretch>
+              <a:fillRect/>
+            </a:stretch>
+          </p:blipFill>
+          <p:spPr>
+            <a:xfrm flipH="1">
+              <a:off x="5611636" y="5973306"/>
+              <a:ext cx="495775" cy="264413"/>
+            </a:xfrm>
+            <a:prstGeom prst="rect">
+              <a:avLst/>
+            </a:prstGeom>
+          </p:spPr>
+        </p:pic>
+        <p:sp>
+          <p:nvSpPr>
+            <p:cNvPr id="51" name="Retângulo 5">
+              <a:extLst>
+                <a:ext uri="{FF2B5EF4-FFF2-40B4-BE49-F238E27FC236}">
+                  <a16:creationId xmlns:a16="http://schemas.microsoft.com/office/drawing/2014/main" id="{64FE35A3-1AD9-E947-45CA-307872FFD481}"/>
+                </a:ext>
+              </a:extLst>
+            </p:cNvPr>
+            <p:cNvSpPr/>
+            <p:nvPr/>
+          </p:nvSpPr>
+          <p:spPr>
+            <a:xfrm>
+              <a:off x="6107411" y="5954426"/>
+              <a:ext cx="612668" cy="276999"/>
+            </a:xfrm>
+            <a:prstGeom prst="rect">
+              <a:avLst/>
+            </a:prstGeom>
+          </p:spPr>
+          <p:txBody>
+            <a:bodyPr wrap="none">
+              <a:spAutoFit/>
+            </a:bodyPr>
+            <a:lstStyle/>
+            <a:p>
+              <a:pPr marL="0" marR="0" lvl="0" indent="0" defTabSz="914369" eaLnBrk="1" fontAlgn="auto" latinLnBrk="0" hangingPunct="1">
+                <a:lnSpc>
+                  <a:spcPct val="100000"/>
+                </a:lnSpc>
+                <a:spcBef>
+                  <a:spcPts val="0"/>
+                </a:spcBef>
+                <a:spcAft>
+                  <a:spcPts val="0"/>
+                </a:spcAft>
+                <a:buClrTx/>
+                <a:buSzTx/>
+                <a:buFontTx/>
+                <a:buNone/>
+                <a:tabLst/>
+                <a:defRPr/>
+              </a:pPr>
+              <a:r>
+                <a:rPr kumimoji="0" lang="en-US" sz="1200" b="0" i="0" u="none" strike="noStrike" kern="0" cap="none" spc="0" normalizeH="0" baseline="0" noProof="0" dirty="0">
+                  <a:ln>
+                    <a:noFill/>
+                  </a:ln>
+                  <a:solidFill>
+                    <a:prstClr val="black"/>
+                  </a:solidFill>
+                  <a:effectLst/>
+                  <a:uLnTx/>
+                  <a:uFillTx/>
+                  <a:hlinkClick r:id="rId20" action="ppaction://hlinkpres?slideindex=1&amp;slidetitle="/>
+                </a:rPr>
+                <a:t>docker</a:t>
               </a:r>
               <a:endParaRPr kumimoji="0" lang="en-US" sz="1200" b="0" i="0" u="none" strike="noStrike" kern="0" cap="none" spc="0" normalizeH="0" baseline="0" noProof="0" dirty="0">
                 <a:ln>
